--- a/en/application_framework/application_framework/blank_project/MavenModuleStructures/_images.pptx
+++ b/en/application_framework/application_framework/blank_project/MavenModuleStructures/_images.pptx
@@ -107,6 +107,22 @@
       </a:defRPr>
     </a:lvl9pPr>
   </p:defaultTextStyle>
+  <p:extLst>
+    <p:ext uri="{EFAFB233-063F-42B5-8137-9DF3F51BA10A}">
+      <p15:sldGuideLst xmlns:p15="http://schemas.microsoft.com/office/powerpoint/2012/main">
+        <p15:guide id="1" orient="horz" pos="936">
+          <p15:clr>
+            <a:srgbClr val="A4A3A4"/>
+          </p15:clr>
+        </p15:guide>
+        <p15:guide id="2" pos="1440">
+          <p15:clr>
+            <a:srgbClr val="A4A3A4"/>
+          </p15:clr>
+        </p15:guide>
+      </p15:sldGuideLst>
+    </p:ext>
+  </p:extLst>
 </p:presentation>
 </file>
 
@@ -192,7 +208,7 @@
           <a:p>
             <a:fld id="{910D3527-7D7F-4EC0-912A-3C1B1182E890}" type="datetimeFigureOut">
               <a:rPr kumimoji="1" lang="ja-JP" altLang="en-US" smtClean="0"/>
-              <a:t>2016/5/9</a:t>
+              <a:t>2020/6/23</a:t>
             </a:fld>
             <a:endParaRPr kumimoji="1" lang="ja-JP" altLang="en-US"/>
           </a:p>
@@ -256,70 +272,69 @@
           <a:p>
             <a:pPr lvl="0"/>
             <a:r>
-              <a:rPr kumimoji="1" lang="ja-JP" altLang="en-US" smtClean="0"/>
+              <a:rPr kumimoji="1" lang="ja-JP" altLang="en-US"/>
               <a:t>マスター テキストの書式設定</a:t>
             </a:r>
           </a:p>
           <a:p>
             <a:pPr lvl="1"/>
             <a:r>
-              <a:rPr kumimoji="1" lang="ja-JP" altLang="en-US" smtClean="0"/>
+              <a:rPr kumimoji="1" lang="ja-JP" altLang="en-US"/>
               <a:t>第 </a:t>
             </a:r>
             <a:r>
-              <a:rPr kumimoji="1" lang="en-US" altLang="ja-JP" smtClean="0"/>
+              <a:rPr kumimoji="1" lang="en-US" altLang="ja-JP"/>
               <a:t>2 </a:t>
             </a:r>
             <a:r>
-              <a:rPr kumimoji="1" lang="ja-JP" altLang="en-US" smtClean="0"/>
+              <a:rPr kumimoji="1" lang="ja-JP" altLang="en-US"/>
               <a:t>レベル</a:t>
             </a:r>
           </a:p>
           <a:p>
             <a:pPr lvl="2"/>
             <a:r>
-              <a:rPr kumimoji="1" lang="ja-JP" altLang="en-US" smtClean="0"/>
+              <a:rPr kumimoji="1" lang="ja-JP" altLang="en-US"/>
               <a:t>第 </a:t>
             </a:r>
             <a:r>
-              <a:rPr kumimoji="1" lang="en-US" altLang="ja-JP" smtClean="0"/>
+              <a:rPr kumimoji="1" lang="en-US" altLang="ja-JP"/>
               <a:t>3 </a:t>
             </a:r>
             <a:r>
-              <a:rPr kumimoji="1" lang="ja-JP" altLang="en-US" smtClean="0"/>
+              <a:rPr kumimoji="1" lang="ja-JP" altLang="en-US"/>
               <a:t>レベル</a:t>
             </a:r>
           </a:p>
           <a:p>
             <a:pPr lvl="3"/>
             <a:r>
-              <a:rPr kumimoji="1" lang="ja-JP" altLang="en-US" smtClean="0"/>
+              <a:rPr kumimoji="1" lang="ja-JP" altLang="en-US"/>
               <a:t>第 </a:t>
             </a:r>
             <a:r>
-              <a:rPr kumimoji="1" lang="en-US" altLang="ja-JP" smtClean="0"/>
+              <a:rPr kumimoji="1" lang="en-US" altLang="ja-JP"/>
               <a:t>4 </a:t>
             </a:r>
             <a:r>
-              <a:rPr kumimoji="1" lang="ja-JP" altLang="en-US" smtClean="0"/>
+              <a:rPr kumimoji="1" lang="ja-JP" altLang="en-US"/>
               <a:t>レベル</a:t>
             </a:r>
           </a:p>
           <a:p>
             <a:pPr lvl="4"/>
             <a:r>
-              <a:rPr kumimoji="1" lang="ja-JP" altLang="en-US" smtClean="0"/>
+              <a:rPr kumimoji="1" lang="ja-JP" altLang="en-US"/>
               <a:t>第 </a:t>
             </a:r>
             <a:r>
-              <a:rPr kumimoji="1" lang="en-US" altLang="ja-JP" smtClean="0"/>
+              <a:rPr kumimoji="1" lang="en-US" altLang="ja-JP"/>
               <a:t>5 </a:t>
             </a:r>
             <a:r>
-              <a:rPr kumimoji="1" lang="ja-JP" altLang="en-US" smtClean="0"/>
+              <a:rPr kumimoji="1" lang="ja-JP" altLang="en-US"/>
               <a:t>レベル</a:t>
             </a:r>
-            <a:endParaRPr kumimoji="1" lang="ja-JP" altLang="en-US"/>
           </a:p>
         </p:txBody>
       </p:sp>
@@ -614,10 +629,9 @@
           <a:lstStyle/>
           <a:p>
             <a:r>
-              <a:rPr kumimoji="1" lang="ja-JP" altLang="en-US" smtClean="0"/>
+              <a:rPr kumimoji="1" lang="ja-JP" altLang="en-US"/>
               <a:t>マスタ タイトルの書式設定</a:t>
             </a:r>
-            <a:endParaRPr kumimoji="1" lang="ja-JP" altLang="en-US"/>
           </a:p>
         </p:txBody>
       </p:sp>
@@ -733,10 +747,9 @@
           </a:lstStyle>
           <a:p>
             <a:r>
-              <a:rPr kumimoji="1" lang="ja-JP" altLang="en-US" smtClean="0"/>
+              <a:rPr kumimoji="1" lang="ja-JP" altLang="en-US"/>
               <a:t>マスタ サブタイトルの書式設定</a:t>
             </a:r>
-            <a:endParaRPr kumimoji="1" lang="ja-JP" altLang="en-US"/>
           </a:p>
         </p:txBody>
       </p:sp>
@@ -757,7 +770,7 @@
           <a:p>
             <a:fld id="{E90ED720-0104-4369-84BC-D37694168613}" type="datetimeFigureOut">
               <a:rPr kumimoji="1" lang="ja-JP" altLang="en-US" smtClean="0"/>
-              <a:t>2016/5/9</a:t>
+              <a:t>2020/6/23</a:t>
             </a:fld>
             <a:endParaRPr kumimoji="1" lang="ja-JP" altLang="en-US" dirty="0"/>
           </a:p>
@@ -846,10 +859,9 @@
           <a:lstStyle/>
           <a:p>
             <a:r>
-              <a:rPr kumimoji="1" lang="ja-JP" altLang="en-US" smtClean="0"/>
+              <a:rPr kumimoji="1" lang="ja-JP" altLang="en-US"/>
               <a:t>マスタ タイトルの書式設定</a:t>
             </a:r>
-            <a:endParaRPr kumimoji="1" lang="ja-JP" altLang="en-US"/>
           </a:p>
         </p:txBody>
       </p:sp>
@@ -870,70 +882,69 @@
           <a:p>
             <a:pPr lvl="0"/>
             <a:r>
-              <a:rPr kumimoji="1" lang="ja-JP" altLang="en-US" smtClean="0"/>
+              <a:rPr kumimoji="1" lang="ja-JP" altLang="en-US"/>
               <a:t>マスタ テキストの書式設定</a:t>
             </a:r>
           </a:p>
           <a:p>
             <a:pPr lvl="1"/>
             <a:r>
-              <a:rPr kumimoji="1" lang="ja-JP" altLang="en-US" smtClean="0"/>
+              <a:rPr kumimoji="1" lang="ja-JP" altLang="en-US"/>
               <a:t>第 </a:t>
             </a:r>
             <a:r>
-              <a:rPr kumimoji="1" lang="en-US" altLang="ja-JP" smtClean="0"/>
+              <a:rPr kumimoji="1" lang="en-US" altLang="ja-JP"/>
               <a:t>2 </a:t>
             </a:r>
             <a:r>
-              <a:rPr kumimoji="1" lang="ja-JP" altLang="en-US" smtClean="0"/>
+              <a:rPr kumimoji="1" lang="ja-JP" altLang="en-US"/>
               <a:t>レベル</a:t>
             </a:r>
           </a:p>
           <a:p>
             <a:pPr lvl="2"/>
             <a:r>
-              <a:rPr kumimoji="1" lang="ja-JP" altLang="en-US" smtClean="0"/>
+              <a:rPr kumimoji="1" lang="ja-JP" altLang="en-US"/>
               <a:t>第 </a:t>
             </a:r>
             <a:r>
-              <a:rPr kumimoji="1" lang="en-US" altLang="ja-JP" smtClean="0"/>
+              <a:rPr kumimoji="1" lang="en-US" altLang="ja-JP"/>
               <a:t>3 </a:t>
             </a:r>
             <a:r>
-              <a:rPr kumimoji="1" lang="ja-JP" altLang="en-US" smtClean="0"/>
+              <a:rPr kumimoji="1" lang="ja-JP" altLang="en-US"/>
               <a:t>レベル</a:t>
             </a:r>
           </a:p>
           <a:p>
             <a:pPr lvl="3"/>
             <a:r>
-              <a:rPr kumimoji="1" lang="ja-JP" altLang="en-US" smtClean="0"/>
+              <a:rPr kumimoji="1" lang="ja-JP" altLang="en-US"/>
               <a:t>第 </a:t>
             </a:r>
             <a:r>
-              <a:rPr kumimoji="1" lang="en-US" altLang="ja-JP" smtClean="0"/>
+              <a:rPr kumimoji="1" lang="en-US" altLang="ja-JP"/>
               <a:t>4 </a:t>
             </a:r>
             <a:r>
-              <a:rPr kumimoji="1" lang="ja-JP" altLang="en-US" smtClean="0"/>
+              <a:rPr kumimoji="1" lang="ja-JP" altLang="en-US"/>
               <a:t>レベル</a:t>
             </a:r>
           </a:p>
           <a:p>
             <a:pPr lvl="4"/>
             <a:r>
-              <a:rPr kumimoji="1" lang="ja-JP" altLang="en-US" smtClean="0"/>
+              <a:rPr kumimoji="1" lang="ja-JP" altLang="en-US"/>
               <a:t>第 </a:t>
             </a:r>
             <a:r>
-              <a:rPr kumimoji="1" lang="en-US" altLang="ja-JP" smtClean="0"/>
+              <a:rPr kumimoji="1" lang="en-US" altLang="ja-JP"/>
               <a:t>5 </a:t>
             </a:r>
             <a:r>
-              <a:rPr kumimoji="1" lang="ja-JP" altLang="en-US" smtClean="0"/>
+              <a:rPr kumimoji="1" lang="ja-JP" altLang="en-US"/>
               <a:t>レベル</a:t>
             </a:r>
-            <a:endParaRPr kumimoji="1" lang="ja-JP" altLang="en-US"/>
           </a:p>
         </p:txBody>
       </p:sp>
@@ -954,7 +965,7 @@
           <a:p>
             <a:fld id="{E90ED720-0104-4369-84BC-D37694168613}" type="datetimeFigureOut">
               <a:rPr kumimoji="1" lang="ja-JP" altLang="en-US" smtClean="0"/>
-              <a:t>2016/5/9</a:t>
+              <a:t>2020/6/23</a:t>
             </a:fld>
             <a:endParaRPr kumimoji="1" lang="ja-JP" altLang="en-US" dirty="0"/>
           </a:p>
@@ -1048,10 +1059,9 @@
           <a:lstStyle/>
           <a:p>
             <a:r>
-              <a:rPr kumimoji="1" lang="ja-JP" altLang="en-US" smtClean="0"/>
+              <a:rPr kumimoji="1" lang="ja-JP" altLang="en-US"/>
               <a:t>マスタ タイトルの書式設定</a:t>
             </a:r>
-            <a:endParaRPr kumimoji="1" lang="ja-JP" altLang="en-US"/>
           </a:p>
         </p:txBody>
       </p:sp>
@@ -1077,70 +1087,69 @@
           <a:p>
             <a:pPr lvl="0"/>
             <a:r>
-              <a:rPr kumimoji="1" lang="ja-JP" altLang="en-US" smtClean="0"/>
+              <a:rPr kumimoji="1" lang="ja-JP" altLang="en-US"/>
               <a:t>マスタ テキストの書式設定</a:t>
             </a:r>
           </a:p>
           <a:p>
             <a:pPr lvl="1"/>
             <a:r>
-              <a:rPr kumimoji="1" lang="ja-JP" altLang="en-US" smtClean="0"/>
+              <a:rPr kumimoji="1" lang="ja-JP" altLang="en-US"/>
               <a:t>第 </a:t>
             </a:r>
             <a:r>
-              <a:rPr kumimoji="1" lang="en-US" altLang="ja-JP" smtClean="0"/>
+              <a:rPr kumimoji="1" lang="en-US" altLang="ja-JP"/>
               <a:t>2 </a:t>
             </a:r>
             <a:r>
-              <a:rPr kumimoji="1" lang="ja-JP" altLang="en-US" smtClean="0"/>
+              <a:rPr kumimoji="1" lang="ja-JP" altLang="en-US"/>
               <a:t>レベル</a:t>
             </a:r>
           </a:p>
           <a:p>
             <a:pPr lvl="2"/>
             <a:r>
-              <a:rPr kumimoji="1" lang="ja-JP" altLang="en-US" smtClean="0"/>
+              <a:rPr kumimoji="1" lang="ja-JP" altLang="en-US"/>
               <a:t>第 </a:t>
             </a:r>
             <a:r>
-              <a:rPr kumimoji="1" lang="en-US" altLang="ja-JP" smtClean="0"/>
+              <a:rPr kumimoji="1" lang="en-US" altLang="ja-JP"/>
               <a:t>3 </a:t>
             </a:r>
             <a:r>
-              <a:rPr kumimoji="1" lang="ja-JP" altLang="en-US" smtClean="0"/>
+              <a:rPr kumimoji="1" lang="ja-JP" altLang="en-US"/>
               <a:t>レベル</a:t>
             </a:r>
           </a:p>
           <a:p>
             <a:pPr lvl="3"/>
             <a:r>
-              <a:rPr kumimoji="1" lang="ja-JP" altLang="en-US" smtClean="0"/>
+              <a:rPr kumimoji="1" lang="ja-JP" altLang="en-US"/>
               <a:t>第 </a:t>
             </a:r>
             <a:r>
-              <a:rPr kumimoji="1" lang="en-US" altLang="ja-JP" smtClean="0"/>
+              <a:rPr kumimoji="1" lang="en-US" altLang="ja-JP"/>
               <a:t>4 </a:t>
             </a:r>
             <a:r>
-              <a:rPr kumimoji="1" lang="ja-JP" altLang="en-US" smtClean="0"/>
+              <a:rPr kumimoji="1" lang="ja-JP" altLang="en-US"/>
               <a:t>レベル</a:t>
             </a:r>
           </a:p>
           <a:p>
             <a:pPr lvl="4"/>
             <a:r>
-              <a:rPr kumimoji="1" lang="ja-JP" altLang="en-US" smtClean="0"/>
+              <a:rPr kumimoji="1" lang="ja-JP" altLang="en-US"/>
               <a:t>第 </a:t>
             </a:r>
             <a:r>
-              <a:rPr kumimoji="1" lang="en-US" altLang="ja-JP" smtClean="0"/>
+              <a:rPr kumimoji="1" lang="en-US" altLang="ja-JP"/>
               <a:t>5 </a:t>
             </a:r>
             <a:r>
-              <a:rPr kumimoji="1" lang="ja-JP" altLang="en-US" smtClean="0"/>
+              <a:rPr kumimoji="1" lang="ja-JP" altLang="en-US"/>
               <a:t>レベル</a:t>
             </a:r>
-            <a:endParaRPr kumimoji="1" lang="ja-JP" altLang="en-US"/>
           </a:p>
         </p:txBody>
       </p:sp>
@@ -1161,7 +1170,7 @@
           <a:p>
             <a:fld id="{E90ED720-0104-4369-84BC-D37694168613}" type="datetimeFigureOut">
               <a:rPr kumimoji="1" lang="ja-JP" altLang="en-US" smtClean="0"/>
-              <a:t>2016/5/9</a:t>
+              <a:t>2020/6/23</a:t>
             </a:fld>
             <a:endParaRPr kumimoji="1" lang="ja-JP" altLang="en-US" dirty="0"/>
           </a:p>
@@ -1250,10 +1259,9 @@
           <a:lstStyle/>
           <a:p>
             <a:r>
-              <a:rPr kumimoji="1" lang="ja-JP" altLang="en-US" smtClean="0"/>
+              <a:rPr kumimoji="1" lang="ja-JP" altLang="en-US"/>
               <a:t>マスタ タイトルの書式設定</a:t>
             </a:r>
-            <a:endParaRPr kumimoji="1" lang="ja-JP" altLang="en-US"/>
           </a:p>
         </p:txBody>
       </p:sp>
@@ -1274,70 +1282,69 @@
           <a:p>
             <a:pPr lvl="0"/>
             <a:r>
-              <a:rPr kumimoji="1" lang="ja-JP" altLang="en-US" smtClean="0"/>
+              <a:rPr kumimoji="1" lang="ja-JP" altLang="en-US"/>
               <a:t>マスタ テキストの書式設定</a:t>
             </a:r>
           </a:p>
           <a:p>
             <a:pPr lvl="1"/>
             <a:r>
-              <a:rPr kumimoji="1" lang="ja-JP" altLang="en-US" smtClean="0"/>
+              <a:rPr kumimoji="1" lang="ja-JP" altLang="en-US"/>
               <a:t>第 </a:t>
             </a:r>
             <a:r>
-              <a:rPr kumimoji="1" lang="en-US" altLang="ja-JP" smtClean="0"/>
+              <a:rPr kumimoji="1" lang="en-US" altLang="ja-JP"/>
               <a:t>2 </a:t>
             </a:r>
             <a:r>
-              <a:rPr kumimoji="1" lang="ja-JP" altLang="en-US" smtClean="0"/>
+              <a:rPr kumimoji="1" lang="ja-JP" altLang="en-US"/>
               <a:t>レベル</a:t>
             </a:r>
           </a:p>
           <a:p>
             <a:pPr lvl="2"/>
             <a:r>
-              <a:rPr kumimoji="1" lang="ja-JP" altLang="en-US" smtClean="0"/>
+              <a:rPr kumimoji="1" lang="ja-JP" altLang="en-US"/>
               <a:t>第 </a:t>
             </a:r>
             <a:r>
-              <a:rPr kumimoji="1" lang="en-US" altLang="ja-JP" smtClean="0"/>
+              <a:rPr kumimoji="1" lang="en-US" altLang="ja-JP"/>
               <a:t>3 </a:t>
             </a:r>
             <a:r>
-              <a:rPr kumimoji="1" lang="ja-JP" altLang="en-US" smtClean="0"/>
+              <a:rPr kumimoji="1" lang="ja-JP" altLang="en-US"/>
               <a:t>レベル</a:t>
             </a:r>
           </a:p>
           <a:p>
             <a:pPr lvl="3"/>
             <a:r>
-              <a:rPr kumimoji="1" lang="ja-JP" altLang="en-US" smtClean="0"/>
+              <a:rPr kumimoji="1" lang="ja-JP" altLang="en-US"/>
               <a:t>第 </a:t>
             </a:r>
             <a:r>
-              <a:rPr kumimoji="1" lang="en-US" altLang="ja-JP" smtClean="0"/>
+              <a:rPr kumimoji="1" lang="en-US" altLang="ja-JP"/>
               <a:t>4 </a:t>
             </a:r>
             <a:r>
-              <a:rPr kumimoji="1" lang="ja-JP" altLang="en-US" smtClean="0"/>
+              <a:rPr kumimoji="1" lang="ja-JP" altLang="en-US"/>
               <a:t>レベル</a:t>
             </a:r>
           </a:p>
           <a:p>
             <a:pPr lvl="4"/>
             <a:r>
-              <a:rPr kumimoji="1" lang="ja-JP" altLang="en-US" smtClean="0"/>
+              <a:rPr kumimoji="1" lang="ja-JP" altLang="en-US"/>
               <a:t>第 </a:t>
             </a:r>
             <a:r>
-              <a:rPr kumimoji="1" lang="en-US" altLang="ja-JP" smtClean="0"/>
+              <a:rPr kumimoji="1" lang="en-US" altLang="ja-JP"/>
               <a:t>5 </a:t>
             </a:r>
             <a:r>
-              <a:rPr kumimoji="1" lang="ja-JP" altLang="en-US" smtClean="0"/>
+              <a:rPr kumimoji="1" lang="ja-JP" altLang="en-US"/>
               <a:t>レベル</a:t>
             </a:r>
-            <a:endParaRPr kumimoji="1" lang="ja-JP" altLang="en-US"/>
           </a:p>
         </p:txBody>
       </p:sp>
@@ -1358,7 +1365,7 @@
           <a:p>
             <a:fld id="{E90ED720-0104-4369-84BC-D37694168613}" type="datetimeFigureOut">
               <a:rPr kumimoji="1" lang="ja-JP" altLang="en-US" smtClean="0"/>
-              <a:t>2016/5/9</a:t>
+              <a:t>2020/6/23</a:t>
             </a:fld>
             <a:endParaRPr kumimoji="1" lang="ja-JP" altLang="en-US" dirty="0"/>
           </a:p>
@@ -1456,10 +1463,9 @@
           </a:lstStyle>
           <a:p>
             <a:r>
-              <a:rPr kumimoji="1" lang="ja-JP" altLang="en-US" smtClean="0"/>
+              <a:rPr kumimoji="1" lang="ja-JP" altLang="en-US"/>
               <a:t>マスタ タイトルの書式設定</a:t>
             </a:r>
-            <a:endParaRPr kumimoji="1" lang="ja-JP" altLang="en-US"/>
           </a:p>
         </p:txBody>
       </p:sp>
@@ -1576,7 +1582,7 @@
           <a:p>
             <a:pPr lvl="0"/>
             <a:r>
-              <a:rPr kumimoji="1" lang="ja-JP" altLang="en-US" smtClean="0"/>
+              <a:rPr kumimoji="1" lang="ja-JP" altLang="en-US"/>
               <a:t>マスタ テキストの書式設定</a:t>
             </a:r>
           </a:p>
@@ -1599,7 +1605,7 @@
           <a:p>
             <a:fld id="{E90ED720-0104-4369-84BC-D37694168613}" type="datetimeFigureOut">
               <a:rPr kumimoji="1" lang="ja-JP" altLang="en-US" smtClean="0"/>
-              <a:t>2016/5/9</a:t>
+              <a:t>2020/6/23</a:t>
             </a:fld>
             <a:endParaRPr kumimoji="1" lang="ja-JP" altLang="en-US" dirty="0"/>
           </a:p>
@@ -1688,10 +1694,9 @@
           <a:lstStyle/>
           <a:p>
             <a:r>
-              <a:rPr kumimoji="1" lang="ja-JP" altLang="en-US" smtClean="0"/>
+              <a:rPr kumimoji="1" lang="ja-JP" altLang="en-US"/>
               <a:t>マスタ タイトルの書式設定</a:t>
             </a:r>
-            <a:endParaRPr kumimoji="1" lang="ja-JP" altLang="en-US"/>
           </a:p>
         </p:txBody>
       </p:sp>
@@ -1745,70 +1750,69 @@
           <a:p>
             <a:pPr lvl="0"/>
             <a:r>
-              <a:rPr kumimoji="1" lang="ja-JP" altLang="en-US" smtClean="0"/>
+              <a:rPr kumimoji="1" lang="ja-JP" altLang="en-US"/>
               <a:t>マスタ テキストの書式設定</a:t>
             </a:r>
           </a:p>
           <a:p>
             <a:pPr lvl="1"/>
             <a:r>
-              <a:rPr kumimoji="1" lang="ja-JP" altLang="en-US" smtClean="0"/>
+              <a:rPr kumimoji="1" lang="ja-JP" altLang="en-US"/>
               <a:t>第 </a:t>
             </a:r>
             <a:r>
-              <a:rPr kumimoji="1" lang="en-US" altLang="ja-JP" smtClean="0"/>
+              <a:rPr kumimoji="1" lang="en-US" altLang="ja-JP"/>
               <a:t>2 </a:t>
             </a:r>
             <a:r>
-              <a:rPr kumimoji="1" lang="ja-JP" altLang="en-US" smtClean="0"/>
+              <a:rPr kumimoji="1" lang="ja-JP" altLang="en-US"/>
               <a:t>レベル</a:t>
             </a:r>
           </a:p>
           <a:p>
             <a:pPr lvl="2"/>
             <a:r>
-              <a:rPr kumimoji="1" lang="ja-JP" altLang="en-US" smtClean="0"/>
+              <a:rPr kumimoji="1" lang="ja-JP" altLang="en-US"/>
               <a:t>第 </a:t>
             </a:r>
             <a:r>
-              <a:rPr kumimoji="1" lang="en-US" altLang="ja-JP" smtClean="0"/>
+              <a:rPr kumimoji="1" lang="en-US" altLang="ja-JP"/>
               <a:t>3 </a:t>
             </a:r>
             <a:r>
-              <a:rPr kumimoji="1" lang="ja-JP" altLang="en-US" smtClean="0"/>
+              <a:rPr kumimoji="1" lang="ja-JP" altLang="en-US"/>
               <a:t>レベル</a:t>
             </a:r>
           </a:p>
           <a:p>
             <a:pPr lvl="3"/>
             <a:r>
-              <a:rPr kumimoji="1" lang="ja-JP" altLang="en-US" smtClean="0"/>
+              <a:rPr kumimoji="1" lang="ja-JP" altLang="en-US"/>
               <a:t>第 </a:t>
             </a:r>
             <a:r>
-              <a:rPr kumimoji="1" lang="en-US" altLang="ja-JP" smtClean="0"/>
+              <a:rPr kumimoji="1" lang="en-US" altLang="ja-JP"/>
               <a:t>4 </a:t>
             </a:r>
             <a:r>
-              <a:rPr kumimoji="1" lang="ja-JP" altLang="en-US" smtClean="0"/>
+              <a:rPr kumimoji="1" lang="ja-JP" altLang="en-US"/>
               <a:t>レベル</a:t>
             </a:r>
           </a:p>
           <a:p>
             <a:pPr lvl="4"/>
             <a:r>
-              <a:rPr kumimoji="1" lang="ja-JP" altLang="en-US" smtClean="0"/>
+              <a:rPr kumimoji="1" lang="ja-JP" altLang="en-US"/>
               <a:t>第 </a:t>
             </a:r>
             <a:r>
-              <a:rPr kumimoji="1" lang="en-US" altLang="ja-JP" smtClean="0"/>
+              <a:rPr kumimoji="1" lang="en-US" altLang="ja-JP"/>
               <a:t>5 </a:t>
             </a:r>
             <a:r>
-              <a:rPr kumimoji="1" lang="ja-JP" altLang="en-US" smtClean="0"/>
+              <a:rPr kumimoji="1" lang="ja-JP" altLang="en-US"/>
               <a:t>レベル</a:t>
             </a:r>
-            <a:endParaRPr kumimoji="1" lang="ja-JP" altLang="en-US"/>
           </a:p>
         </p:txBody>
       </p:sp>
@@ -1862,70 +1866,69 @@
           <a:p>
             <a:pPr lvl="0"/>
             <a:r>
-              <a:rPr kumimoji="1" lang="ja-JP" altLang="en-US" smtClean="0"/>
+              <a:rPr kumimoji="1" lang="ja-JP" altLang="en-US"/>
               <a:t>マスタ テキストの書式設定</a:t>
             </a:r>
           </a:p>
           <a:p>
             <a:pPr lvl="1"/>
             <a:r>
-              <a:rPr kumimoji="1" lang="ja-JP" altLang="en-US" smtClean="0"/>
+              <a:rPr kumimoji="1" lang="ja-JP" altLang="en-US"/>
               <a:t>第 </a:t>
             </a:r>
             <a:r>
-              <a:rPr kumimoji="1" lang="en-US" altLang="ja-JP" smtClean="0"/>
+              <a:rPr kumimoji="1" lang="en-US" altLang="ja-JP"/>
               <a:t>2 </a:t>
             </a:r>
             <a:r>
-              <a:rPr kumimoji="1" lang="ja-JP" altLang="en-US" smtClean="0"/>
+              <a:rPr kumimoji="1" lang="ja-JP" altLang="en-US"/>
               <a:t>レベル</a:t>
             </a:r>
           </a:p>
           <a:p>
             <a:pPr lvl="2"/>
             <a:r>
-              <a:rPr kumimoji="1" lang="ja-JP" altLang="en-US" smtClean="0"/>
+              <a:rPr kumimoji="1" lang="ja-JP" altLang="en-US"/>
               <a:t>第 </a:t>
             </a:r>
             <a:r>
-              <a:rPr kumimoji="1" lang="en-US" altLang="ja-JP" smtClean="0"/>
+              <a:rPr kumimoji="1" lang="en-US" altLang="ja-JP"/>
               <a:t>3 </a:t>
             </a:r>
             <a:r>
-              <a:rPr kumimoji="1" lang="ja-JP" altLang="en-US" smtClean="0"/>
+              <a:rPr kumimoji="1" lang="ja-JP" altLang="en-US"/>
               <a:t>レベル</a:t>
             </a:r>
           </a:p>
           <a:p>
             <a:pPr lvl="3"/>
             <a:r>
-              <a:rPr kumimoji="1" lang="ja-JP" altLang="en-US" smtClean="0"/>
+              <a:rPr kumimoji="1" lang="ja-JP" altLang="en-US"/>
               <a:t>第 </a:t>
             </a:r>
             <a:r>
-              <a:rPr kumimoji="1" lang="en-US" altLang="ja-JP" smtClean="0"/>
+              <a:rPr kumimoji="1" lang="en-US" altLang="ja-JP"/>
               <a:t>4 </a:t>
             </a:r>
             <a:r>
-              <a:rPr kumimoji="1" lang="ja-JP" altLang="en-US" smtClean="0"/>
+              <a:rPr kumimoji="1" lang="ja-JP" altLang="en-US"/>
               <a:t>レベル</a:t>
             </a:r>
           </a:p>
           <a:p>
             <a:pPr lvl="4"/>
             <a:r>
-              <a:rPr kumimoji="1" lang="ja-JP" altLang="en-US" smtClean="0"/>
+              <a:rPr kumimoji="1" lang="ja-JP" altLang="en-US"/>
               <a:t>第 </a:t>
             </a:r>
             <a:r>
-              <a:rPr kumimoji="1" lang="en-US" altLang="ja-JP" smtClean="0"/>
+              <a:rPr kumimoji="1" lang="en-US" altLang="ja-JP"/>
               <a:t>5 </a:t>
             </a:r>
             <a:r>
-              <a:rPr kumimoji="1" lang="ja-JP" altLang="en-US" smtClean="0"/>
+              <a:rPr kumimoji="1" lang="ja-JP" altLang="en-US"/>
               <a:t>レベル</a:t>
             </a:r>
-            <a:endParaRPr kumimoji="1" lang="ja-JP" altLang="en-US"/>
           </a:p>
         </p:txBody>
       </p:sp>
@@ -1946,7 +1949,7 @@
           <a:p>
             <a:fld id="{E90ED720-0104-4369-84BC-D37694168613}" type="datetimeFigureOut">
               <a:rPr kumimoji="1" lang="ja-JP" altLang="en-US" smtClean="0"/>
-              <a:t>2016/5/9</a:t>
+              <a:t>2020/6/23</a:t>
             </a:fld>
             <a:endParaRPr kumimoji="1" lang="ja-JP" altLang="en-US" dirty="0"/>
           </a:p>
@@ -2039,10 +2042,9 @@
           </a:lstStyle>
           <a:p>
             <a:r>
-              <a:rPr kumimoji="1" lang="ja-JP" altLang="en-US" smtClean="0"/>
+              <a:rPr kumimoji="1" lang="ja-JP" altLang="en-US"/>
               <a:t>マスタ タイトルの書式設定</a:t>
             </a:r>
-            <a:endParaRPr kumimoji="1" lang="ja-JP" altLang="en-US"/>
           </a:p>
         </p:txBody>
       </p:sp>
@@ -2105,7 +2107,7 @@
           <a:p>
             <a:pPr lvl="0"/>
             <a:r>
-              <a:rPr kumimoji="1" lang="ja-JP" altLang="en-US" smtClean="0"/>
+              <a:rPr kumimoji="1" lang="ja-JP" altLang="en-US"/>
               <a:t>マスタ テキストの書式設定</a:t>
             </a:r>
           </a:p>
@@ -2161,70 +2163,69 @@
           <a:p>
             <a:pPr lvl="0"/>
             <a:r>
-              <a:rPr kumimoji="1" lang="ja-JP" altLang="en-US" smtClean="0"/>
+              <a:rPr kumimoji="1" lang="ja-JP" altLang="en-US"/>
               <a:t>マスタ テキストの書式設定</a:t>
             </a:r>
           </a:p>
           <a:p>
             <a:pPr lvl="1"/>
             <a:r>
-              <a:rPr kumimoji="1" lang="ja-JP" altLang="en-US" smtClean="0"/>
+              <a:rPr kumimoji="1" lang="ja-JP" altLang="en-US"/>
               <a:t>第 </a:t>
             </a:r>
             <a:r>
-              <a:rPr kumimoji="1" lang="en-US" altLang="ja-JP" smtClean="0"/>
+              <a:rPr kumimoji="1" lang="en-US" altLang="ja-JP"/>
               <a:t>2 </a:t>
             </a:r>
             <a:r>
-              <a:rPr kumimoji="1" lang="ja-JP" altLang="en-US" smtClean="0"/>
+              <a:rPr kumimoji="1" lang="ja-JP" altLang="en-US"/>
               <a:t>レベル</a:t>
             </a:r>
           </a:p>
           <a:p>
             <a:pPr lvl="2"/>
             <a:r>
-              <a:rPr kumimoji="1" lang="ja-JP" altLang="en-US" smtClean="0"/>
+              <a:rPr kumimoji="1" lang="ja-JP" altLang="en-US"/>
               <a:t>第 </a:t>
             </a:r>
             <a:r>
-              <a:rPr kumimoji="1" lang="en-US" altLang="ja-JP" smtClean="0"/>
+              <a:rPr kumimoji="1" lang="en-US" altLang="ja-JP"/>
               <a:t>3 </a:t>
             </a:r>
             <a:r>
-              <a:rPr kumimoji="1" lang="ja-JP" altLang="en-US" smtClean="0"/>
+              <a:rPr kumimoji="1" lang="ja-JP" altLang="en-US"/>
               <a:t>レベル</a:t>
             </a:r>
           </a:p>
           <a:p>
             <a:pPr lvl="3"/>
             <a:r>
-              <a:rPr kumimoji="1" lang="ja-JP" altLang="en-US" smtClean="0"/>
+              <a:rPr kumimoji="1" lang="ja-JP" altLang="en-US"/>
               <a:t>第 </a:t>
             </a:r>
             <a:r>
-              <a:rPr kumimoji="1" lang="en-US" altLang="ja-JP" smtClean="0"/>
+              <a:rPr kumimoji="1" lang="en-US" altLang="ja-JP"/>
               <a:t>4 </a:t>
             </a:r>
             <a:r>
-              <a:rPr kumimoji="1" lang="ja-JP" altLang="en-US" smtClean="0"/>
+              <a:rPr kumimoji="1" lang="ja-JP" altLang="en-US"/>
               <a:t>レベル</a:t>
             </a:r>
           </a:p>
           <a:p>
             <a:pPr lvl="4"/>
             <a:r>
-              <a:rPr kumimoji="1" lang="ja-JP" altLang="en-US" smtClean="0"/>
+              <a:rPr kumimoji="1" lang="ja-JP" altLang="en-US"/>
               <a:t>第 </a:t>
             </a:r>
             <a:r>
-              <a:rPr kumimoji="1" lang="en-US" altLang="ja-JP" smtClean="0"/>
+              <a:rPr kumimoji="1" lang="en-US" altLang="ja-JP"/>
               <a:t>5 </a:t>
             </a:r>
             <a:r>
-              <a:rPr kumimoji="1" lang="ja-JP" altLang="en-US" smtClean="0"/>
+              <a:rPr kumimoji="1" lang="ja-JP" altLang="en-US"/>
               <a:t>レベル</a:t>
             </a:r>
-            <a:endParaRPr kumimoji="1" lang="ja-JP" altLang="en-US"/>
           </a:p>
         </p:txBody>
       </p:sp>
@@ -2287,7 +2288,7 @@
           <a:p>
             <a:pPr lvl="0"/>
             <a:r>
-              <a:rPr kumimoji="1" lang="ja-JP" altLang="en-US" smtClean="0"/>
+              <a:rPr kumimoji="1" lang="ja-JP" altLang="en-US"/>
               <a:t>マスタ テキストの書式設定</a:t>
             </a:r>
           </a:p>
@@ -2343,70 +2344,69 @@
           <a:p>
             <a:pPr lvl="0"/>
             <a:r>
-              <a:rPr kumimoji="1" lang="ja-JP" altLang="en-US" smtClean="0"/>
+              <a:rPr kumimoji="1" lang="ja-JP" altLang="en-US"/>
               <a:t>マスタ テキストの書式設定</a:t>
             </a:r>
           </a:p>
           <a:p>
             <a:pPr lvl="1"/>
             <a:r>
-              <a:rPr kumimoji="1" lang="ja-JP" altLang="en-US" smtClean="0"/>
+              <a:rPr kumimoji="1" lang="ja-JP" altLang="en-US"/>
               <a:t>第 </a:t>
             </a:r>
             <a:r>
-              <a:rPr kumimoji="1" lang="en-US" altLang="ja-JP" smtClean="0"/>
+              <a:rPr kumimoji="1" lang="en-US" altLang="ja-JP"/>
               <a:t>2 </a:t>
             </a:r>
             <a:r>
-              <a:rPr kumimoji="1" lang="ja-JP" altLang="en-US" smtClean="0"/>
+              <a:rPr kumimoji="1" lang="ja-JP" altLang="en-US"/>
               <a:t>レベル</a:t>
             </a:r>
           </a:p>
           <a:p>
             <a:pPr lvl="2"/>
             <a:r>
-              <a:rPr kumimoji="1" lang="ja-JP" altLang="en-US" smtClean="0"/>
+              <a:rPr kumimoji="1" lang="ja-JP" altLang="en-US"/>
               <a:t>第 </a:t>
             </a:r>
             <a:r>
-              <a:rPr kumimoji="1" lang="en-US" altLang="ja-JP" smtClean="0"/>
+              <a:rPr kumimoji="1" lang="en-US" altLang="ja-JP"/>
               <a:t>3 </a:t>
             </a:r>
             <a:r>
-              <a:rPr kumimoji="1" lang="ja-JP" altLang="en-US" smtClean="0"/>
+              <a:rPr kumimoji="1" lang="ja-JP" altLang="en-US"/>
               <a:t>レベル</a:t>
             </a:r>
           </a:p>
           <a:p>
             <a:pPr lvl="3"/>
             <a:r>
-              <a:rPr kumimoji="1" lang="ja-JP" altLang="en-US" smtClean="0"/>
+              <a:rPr kumimoji="1" lang="ja-JP" altLang="en-US"/>
               <a:t>第 </a:t>
             </a:r>
             <a:r>
-              <a:rPr kumimoji="1" lang="en-US" altLang="ja-JP" smtClean="0"/>
+              <a:rPr kumimoji="1" lang="en-US" altLang="ja-JP"/>
               <a:t>4 </a:t>
             </a:r>
             <a:r>
-              <a:rPr kumimoji="1" lang="ja-JP" altLang="en-US" smtClean="0"/>
+              <a:rPr kumimoji="1" lang="ja-JP" altLang="en-US"/>
               <a:t>レベル</a:t>
             </a:r>
           </a:p>
           <a:p>
             <a:pPr lvl="4"/>
             <a:r>
-              <a:rPr kumimoji="1" lang="ja-JP" altLang="en-US" smtClean="0"/>
+              <a:rPr kumimoji="1" lang="ja-JP" altLang="en-US"/>
               <a:t>第 </a:t>
             </a:r>
             <a:r>
-              <a:rPr kumimoji="1" lang="en-US" altLang="ja-JP" smtClean="0"/>
+              <a:rPr kumimoji="1" lang="en-US" altLang="ja-JP"/>
               <a:t>5 </a:t>
             </a:r>
             <a:r>
-              <a:rPr kumimoji="1" lang="ja-JP" altLang="en-US" smtClean="0"/>
+              <a:rPr kumimoji="1" lang="ja-JP" altLang="en-US"/>
               <a:t>レベル</a:t>
             </a:r>
-            <a:endParaRPr kumimoji="1" lang="ja-JP" altLang="en-US"/>
           </a:p>
         </p:txBody>
       </p:sp>
@@ -2427,7 +2427,7 @@
           <a:p>
             <a:fld id="{E90ED720-0104-4369-84BC-D37694168613}" type="datetimeFigureOut">
               <a:rPr kumimoji="1" lang="ja-JP" altLang="en-US" smtClean="0"/>
-              <a:t>2016/5/9</a:t>
+              <a:t>2020/6/23</a:t>
             </a:fld>
             <a:endParaRPr kumimoji="1" lang="ja-JP" altLang="en-US" dirty="0"/>
           </a:p>
@@ -2516,10 +2516,9 @@
           <a:lstStyle/>
           <a:p>
             <a:r>
-              <a:rPr kumimoji="1" lang="ja-JP" altLang="en-US" smtClean="0"/>
+              <a:rPr kumimoji="1" lang="ja-JP" altLang="en-US"/>
               <a:t>マスタ タイトルの書式設定</a:t>
             </a:r>
-            <a:endParaRPr kumimoji="1" lang="ja-JP" altLang="en-US"/>
           </a:p>
         </p:txBody>
       </p:sp>
@@ -2540,7 +2539,7 @@
           <a:p>
             <a:fld id="{E90ED720-0104-4369-84BC-D37694168613}" type="datetimeFigureOut">
               <a:rPr kumimoji="1" lang="ja-JP" altLang="en-US" smtClean="0"/>
-              <a:t>2016/5/9</a:t>
+              <a:t>2020/6/23</a:t>
             </a:fld>
             <a:endParaRPr kumimoji="1" lang="ja-JP" altLang="en-US" dirty="0"/>
           </a:p>
@@ -2630,7 +2629,7 @@
           <a:p>
             <a:fld id="{E90ED720-0104-4369-84BC-D37694168613}" type="datetimeFigureOut">
               <a:rPr kumimoji="1" lang="ja-JP" altLang="en-US" smtClean="0"/>
-              <a:t>2016/5/9</a:t>
+              <a:t>2020/6/23</a:t>
             </a:fld>
             <a:endParaRPr kumimoji="1" lang="ja-JP" altLang="en-US" dirty="0"/>
           </a:p>
@@ -2728,10 +2727,9 @@
           </a:lstStyle>
           <a:p>
             <a:r>
-              <a:rPr kumimoji="1" lang="ja-JP" altLang="en-US" smtClean="0"/>
+              <a:rPr kumimoji="1" lang="ja-JP" altLang="en-US"/>
               <a:t>マスタ タイトルの書式設定</a:t>
             </a:r>
-            <a:endParaRPr kumimoji="1" lang="ja-JP" altLang="en-US"/>
           </a:p>
         </p:txBody>
       </p:sp>
@@ -2785,70 +2783,69 @@
           <a:p>
             <a:pPr lvl="0"/>
             <a:r>
-              <a:rPr kumimoji="1" lang="ja-JP" altLang="en-US" smtClean="0"/>
+              <a:rPr kumimoji="1" lang="ja-JP" altLang="en-US"/>
               <a:t>マスタ テキストの書式設定</a:t>
             </a:r>
           </a:p>
           <a:p>
             <a:pPr lvl="1"/>
             <a:r>
-              <a:rPr kumimoji="1" lang="ja-JP" altLang="en-US" smtClean="0"/>
+              <a:rPr kumimoji="1" lang="ja-JP" altLang="en-US"/>
               <a:t>第 </a:t>
             </a:r>
             <a:r>
-              <a:rPr kumimoji="1" lang="en-US" altLang="ja-JP" smtClean="0"/>
+              <a:rPr kumimoji="1" lang="en-US" altLang="ja-JP"/>
               <a:t>2 </a:t>
             </a:r>
             <a:r>
-              <a:rPr kumimoji="1" lang="ja-JP" altLang="en-US" smtClean="0"/>
+              <a:rPr kumimoji="1" lang="ja-JP" altLang="en-US"/>
               <a:t>レベル</a:t>
             </a:r>
           </a:p>
           <a:p>
             <a:pPr lvl="2"/>
             <a:r>
-              <a:rPr kumimoji="1" lang="ja-JP" altLang="en-US" smtClean="0"/>
+              <a:rPr kumimoji="1" lang="ja-JP" altLang="en-US"/>
               <a:t>第 </a:t>
             </a:r>
             <a:r>
-              <a:rPr kumimoji="1" lang="en-US" altLang="ja-JP" smtClean="0"/>
+              <a:rPr kumimoji="1" lang="en-US" altLang="ja-JP"/>
               <a:t>3 </a:t>
             </a:r>
             <a:r>
-              <a:rPr kumimoji="1" lang="ja-JP" altLang="en-US" smtClean="0"/>
+              <a:rPr kumimoji="1" lang="ja-JP" altLang="en-US"/>
               <a:t>レベル</a:t>
             </a:r>
           </a:p>
           <a:p>
             <a:pPr lvl="3"/>
             <a:r>
-              <a:rPr kumimoji="1" lang="ja-JP" altLang="en-US" smtClean="0"/>
+              <a:rPr kumimoji="1" lang="ja-JP" altLang="en-US"/>
               <a:t>第 </a:t>
             </a:r>
             <a:r>
-              <a:rPr kumimoji="1" lang="en-US" altLang="ja-JP" smtClean="0"/>
+              <a:rPr kumimoji="1" lang="en-US" altLang="ja-JP"/>
               <a:t>4 </a:t>
             </a:r>
             <a:r>
-              <a:rPr kumimoji="1" lang="ja-JP" altLang="en-US" smtClean="0"/>
+              <a:rPr kumimoji="1" lang="ja-JP" altLang="en-US"/>
               <a:t>レベル</a:t>
             </a:r>
           </a:p>
           <a:p>
             <a:pPr lvl="4"/>
             <a:r>
-              <a:rPr kumimoji="1" lang="ja-JP" altLang="en-US" smtClean="0"/>
+              <a:rPr kumimoji="1" lang="ja-JP" altLang="en-US"/>
               <a:t>第 </a:t>
             </a:r>
             <a:r>
-              <a:rPr kumimoji="1" lang="en-US" altLang="ja-JP" smtClean="0"/>
+              <a:rPr kumimoji="1" lang="en-US" altLang="ja-JP"/>
               <a:t>5 </a:t>
             </a:r>
             <a:r>
-              <a:rPr kumimoji="1" lang="ja-JP" altLang="en-US" smtClean="0"/>
+              <a:rPr kumimoji="1" lang="ja-JP" altLang="en-US"/>
               <a:t>レベル</a:t>
             </a:r>
-            <a:endParaRPr kumimoji="1" lang="ja-JP" altLang="en-US"/>
           </a:p>
         </p:txBody>
       </p:sp>
@@ -2911,7 +2908,7 @@
           <a:p>
             <a:pPr lvl="0"/>
             <a:r>
-              <a:rPr kumimoji="1" lang="ja-JP" altLang="en-US" smtClean="0"/>
+              <a:rPr kumimoji="1" lang="ja-JP" altLang="en-US"/>
               <a:t>マスタ テキストの書式設定</a:t>
             </a:r>
           </a:p>
@@ -2934,7 +2931,7 @@
           <a:p>
             <a:fld id="{E90ED720-0104-4369-84BC-D37694168613}" type="datetimeFigureOut">
               <a:rPr kumimoji="1" lang="ja-JP" altLang="en-US" smtClean="0"/>
-              <a:t>2016/5/9</a:t>
+              <a:t>2020/6/23</a:t>
             </a:fld>
             <a:endParaRPr kumimoji="1" lang="ja-JP" altLang="en-US" dirty="0"/>
           </a:p>
@@ -3032,10 +3029,9 @@
           </a:lstStyle>
           <a:p>
             <a:r>
-              <a:rPr kumimoji="1" lang="ja-JP" altLang="en-US" smtClean="0"/>
+              <a:rPr kumimoji="1" lang="ja-JP" altLang="en-US"/>
               <a:t>マスタ タイトルの書式設定</a:t>
             </a:r>
-            <a:endParaRPr kumimoji="1" lang="ja-JP" altLang="en-US"/>
           </a:p>
         </p:txBody>
       </p:sp>
@@ -3159,7 +3155,7 @@
           <a:p>
             <a:pPr lvl="0"/>
             <a:r>
-              <a:rPr kumimoji="1" lang="ja-JP" altLang="en-US" smtClean="0"/>
+              <a:rPr kumimoji="1" lang="ja-JP" altLang="en-US"/>
               <a:t>マスタ テキストの書式設定</a:t>
             </a:r>
           </a:p>
@@ -3182,7 +3178,7 @@
           <a:p>
             <a:fld id="{E90ED720-0104-4369-84BC-D37694168613}" type="datetimeFigureOut">
               <a:rPr kumimoji="1" lang="ja-JP" altLang="en-US" smtClean="0"/>
-              <a:t>2016/5/9</a:t>
+              <a:t>2020/6/23</a:t>
             </a:fld>
             <a:endParaRPr kumimoji="1" lang="ja-JP" altLang="en-US" dirty="0"/>
           </a:p>
@@ -3286,10 +3282,9 @@
           <a:lstStyle/>
           <a:p>
             <a:r>
-              <a:rPr kumimoji="1" lang="ja-JP" altLang="en-US" smtClean="0"/>
+              <a:rPr kumimoji="1" lang="ja-JP" altLang="en-US"/>
               <a:t>マスタ タイトルの書式設定</a:t>
             </a:r>
-            <a:endParaRPr kumimoji="1" lang="ja-JP" altLang="en-US"/>
           </a:p>
         </p:txBody>
       </p:sp>
@@ -3320,70 +3315,69 @@
           <a:p>
             <a:pPr lvl="0"/>
             <a:r>
-              <a:rPr kumimoji="1" lang="ja-JP" altLang="en-US" smtClean="0"/>
+              <a:rPr kumimoji="1" lang="ja-JP" altLang="en-US"/>
               <a:t>マスタ テキストの書式設定</a:t>
             </a:r>
           </a:p>
           <a:p>
             <a:pPr lvl="1"/>
             <a:r>
-              <a:rPr kumimoji="1" lang="ja-JP" altLang="en-US" smtClean="0"/>
+              <a:rPr kumimoji="1" lang="ja-JP" altLang="en-US"/>
               <a:t>第 </a:t>
             </a:r>
             <a:r>
-              <a:rPr kumimoji="1" lang="en-US" altLang="ja-JP" smtClean="0"/>
+              <a:rPr kumimoji="1" lang="en-US" altLang="ja-JP"/>
               <a:t>2 </a:t>
             </a:r>
             <a:r>
-              <a:rPr kumimoji="1" lang="ja-JP" altLang="en-US" smtClean="0"/>
+              <a:rPr kumimoji="1" lang="ja-JP" altLang="en-US"/>
               <a:t>レベル</a:t>
             </a:r>
           </a:p>
           <a:p>
             <a:pPr lvl="2"/>
             <a:r>
-              <a:rPr kumimoji="1" lang="ja-JP" altLang="en-US" smtClean="0"/>
+              <a:rPr kumimoji="1" lang="ja-JP" altLang="en-US"/>
               <a:t>第 </a:t>
             </a:r>
             <a:r>
-              <a:rPr kumimoji="1" lang="en-US" altLang="ja-JP" smtClean="0"/>
+              <a:rPr kumimoji="1" lang="en-US" altLang="ja-JP"/>
               <a:t>3 </a:t>
             </a:r>
             <a:r>
-              <a:rPr kumimoji="1" lang="ja-JP" altLang="en-US" smtClean="0"/>
+              <a:rPr kumimoji="1" lang="ja-JP" altLang="en-US"/>
               <a:t>レベル</a:t>
             </a:r>
           </a:p>
           <a:p>
             <a:pPr lvl="3"/>
             <a:r>
-              <a:rPr kumimoji="1" lang="ja-JP" altLang="en-US" smtClean="0"/>
+              <a:rPr kumimoji="1" lang="ja-JP" altLang="en-US"/>
               <a:t>第 </a:t>
             </a:r>
             <a:r>
-              <a:rPr kumimoji="1" lang="en-US" altLang="ja-JP" smtClean="0"/>
+              <a:rPr kumimoji="1" lang="en-US" altLang="ja-JP"/>
               <a:t>4 </a:t>
             </a:r>
             <a:r>
-              <a:rPr kumimoji="1" lang="ja-JP" altLang="en-US" smtClean="0"/>
+              <a:rPr kumimoji="1" lang="ja-JP" altLang="en-US"/>
               <a:t>レベル</a:t>
             </a:r>
           </a:p>
           <a:p>
             <a:pPr lvl="4"/>
             <a:r>
-              <a:rPr kumimoji="1" lang="ja-JP" altLang="en-US" smtClean="0"/>
+              <a:rPr kumimoji="1" lang="ja-JP" altLang="en-US"/>
               <a:t>第 </a:t>
             </a:r>
             <a:r>
-              <a:rPr kumimoji="1" lang="en-US" altLang="ja-JP" smtClean="0"/>
+              <a:rPr kumimoji="1" lang="en-US" altLang="ja-JP"/>
               <a:t>5 </a:t>
             </a:r>
             <a:r>
-              <a:rPr kumimoji="1" lang="ja-JP" altLang="en-US" smtClean="0"/>
+              <a:rPr kumimoji="1" lang="ja-JP" altLang="en-US"/>
               <a:t>レベル</a:t>
             </a:r>
-            <a:endParaRPr kumimoji="1" lang="ja-JP" altLang="en-US"/>
           </a:p>
         </p:txBody>
       </p:sp>
@@ -3422,7 +3416,7 @@
           <a:p>
             <a:fld id="{E90ED720-0104-4369-84BC-D37694168613}" type="datetimeFigureOut">
               <a:rPr kumimoji="1" lang="ja-JP" altLang="en-US" smtClean="0"/>
-              <a:t>2016/5/9</a:t>
+              <a:t>2020/6/23</a:t>
             </a:fld>
             <a:endParaRPr kumimoji="1" lang="ja-JP" altLang="en-US" dirty="0"/>
           </a:p>
@@ -3809,9 +3803,9 @@
         <p:grpSpPr>
           <a:xfrm>
             <a:off x="541700" y="287123"/>
-            <a:ext cx="3478093" cy="2089405"/>
+            <a:ext cx="3616508" cy="2089405"/>
             <a:chOff x="541700" y="287123"/>
-            <a:chExt cx="3478093" cy="2089405"/>
+            <a:chExt cx="3616508" cy="2089405"/>
           </a:xfrm>
         </p:grpSpPr>
         <p:sp>
@@ -3859,7 +3853,7 @@
             <a:lstStyle/>
             <a:p>
               <a:r>
-                <a:rPr kumimoji="1" lang="en-US" altLang="ja-JP" dirty="0" smtClean="0">
+                <a:rPr kumimoji="1" lang="en-US" altLang="ja-JP" sz="600" dirty="0">
                   <a:solidFill>
                     <a:schemeClr val="tx1"/>
                   </a:solidFill>
@@ -3870,7 +3864,7 @@
                 <a:t>PJ</a:t>
               </a:r>
               <a:r>
-                <a:rPr kumimoji="1" lang="ja-JP" altLang="en-US" dirty="0" smtClean="0">
+                <a:rPr lang="ja-JP" altLang="en-US" sz="600" dirty="0">
                   <a:solidFill>
                     <a:schemeClr val="tx1"/>
                   </a:solidFill>
@@ -3878,9 +3872,20 @@
                   <a:ea typeface="メイリオ" panose="020B0604030504040204" pitchFamily="50" charset="-128"/>
                   <a:cs typeface="メイリオ" panose="020B0604030504040204" pitchFamily="50" charset="-128"/>
                 </a:rPr>
-                <a:t>成果物</a:t>
+                <a:t> </a:t>
               </a:r>
-              <a:endParaRPr kumimoji="1" lang="en-US" altLang="ja-JP" dirty="0" smtClean="0">
+              <a:r>
+                <a:rPr lang="en-US" altLang="ja-JP" sz="600" dirty="0">
+                  <a:solidFill>
+                    <a:schemeClr val="tx1"/>
+                  </a:solidFill>
+                  <a:latin typeface="メイリオ" panose="020B0604030504040204" pitchFamily="50" charset="-128"/>
+                  <a:ea typeface="メイリオ" panose="020B0604030504040204" pitchFamily="50" charset="-128"/>
+                  <a:cs typeface="メイリオ" panose="020B0604030504040204" pitchFamily="50" charset="-128"/>
+                </a:rPr>
+                <a:t>Deliverables</a:t>
+              </a:r>
+              <a:endParaRPr kumimoji="1" lang="en-US" altLang="ja-JP" sz="600" dirty="0">
                 <a:solidFill>
                   <a:schemeClr val="tx1"/>
                 </a:solidFill>
@@ -3891,7 +3896,7 @@
             </a:p>
             <a:p>
               <a:r>
-                <a:rPr kumimoji="1" lang="en-US" altLang="ja-JP" dirty="0" smtClean="0">
+                <a:rPr kumimoji="1" lang="en-US" altLang="ja-JP" sz="600" dirty="0">
                   <a:solidFill>
                     <a:schemeClr val="tx1"/>
                   </a:solidFill>
@@ -3899,10 +3904,10 @@
                   <a:ea typeface="メイリオ" panose="020B0604030504040204" pitchFamily="50" charset="-128"/>
                   <a:cs typeface="メイリオ" panose="020B0604030504040204" pitchFamily="50" charset="-128"/>
                 </a:rPr>
-                <a:t>(maven archetype</a:t>
+                <a:t>(Generated</a:t>
               </a:r>
               <a:r>
-                <a:rPr kumimoji="1" lang="ja-JP" altLang="en-US" dirty="0" smtClean="0">
+                <a:rPr kumimoji="1" lang="ja-JP" altLang="en-US" sz="600" dirty="0">
                   <a:solidFill>
                     <a:schemeClr val="tx1"/>
                   </a:solidFill>
@@ -3910,10 +3915,10 @@
                   <a:ea typeface="メイリオ" panose="020B0604030504040204" pitchFamily="50" charset="-128"/>
                   <a:cs typeface="メイリオ" panose="020B0604030504040204" pitchFamily="50" charset="-128"/>
                 </a:rPr>
-                <a:t>から生成</a:t>
+                <a:t> </a:t>
               </a:r>
               <a:r>
-                <a:rPr kumimoji="1" lang="en-US" altLang="ja-JP" dirty="0" smtClean="0">
+                <a:rPr kumimoji="1" lang="en-US" altLang="ja-JP" sz="600" dirty="0">
                   <a:solidFill>
                     <a:schemeClr val="tx1"/>
                   </a:solidFill>
@@ -3921,9 +3926,42 @@
                   <a:ea typeface="メイリオ" panose="020B0604030504040204" pitchFamily="50" charset="-128"/>
                   <a:cs typeface="メイリオ" panose="020B0604030504040204" pitchFamily="50" charset="-128"/>
                 </a:rPr>
-                <a:t>)</a:t>
+                <a:t>from</a:t>
               </a:r>
-              <a:endParaRPr kumimoji="1" lang="ja-JP" altLang="en-US" dirty="0">
+              <a:r>
+                <a:rPr kumimoji="1" lang="ja-JP" altLang="en-US" sz="600" dirty="0">
+                  <a:solidFill>
+                    <a:schemeClr val="tx1"/>
+                  </a:solidFill>
+                  <a:latin typeface="メイリオ" panose="020B0604030504040204" pitchFamily="50" charset="-128"/>
+                  <a:ea typeface="メイリオ" panose="020B0604030504040204" pitchFamily="50" charset="-128"/>
+                  <a:cs typeface="メイリオ" panose="020B0604030504040204" pitchFamily="50" charset="-128"/>
+                </a:rPr>
+                <a:t> </a:t>
+              </a:r>
+              <a:r>
+                <a:rPr lang="en-US" altLang="ja-JP" sz="600" dirty="0">
+                  <a:solidFill>
+                    <a:schemeClr val="tx1"/>
+                  </a:solidFill>
+                  <a:latin typeface="メイリオ" panose="020B0604030504040204" pitchFamily="50" charset="-128"/>
+                  <a:ea typeface="メイリオ" panose="020B0604030504040204" pitchFamily="50" charset="-128"/>
+                  <a:cs typeface="メイリオ" panose="020B0604030504040204" pitchFamily="50" charset="-128"/>
+                </a:rPr>
+                <a:t>M</a:t>
+              </a:r>
+              <a:r>
+                <a:rPr kumimoji="1" lang="en-US" altLang="ja-JP" sz="600" dirty="0">
+                  <a:solidFill>
+                    <a:schemeClr val="tx1"/>
+                  </a:solidFill>
+                  <a:latin typeface="メイリオ" panose="020B0604030504040204" pitchFamily="50" charset="-128"/>
+                  <a:ea typeface="メイリオ" panose="020B0604030504040204" pitchFamily="50" charset="-128"/>
+                  <a:cs typeface="メイリオ" panose="020B0604030504040204" pitchFamily="50" charset="-128"/>
+                </a:rPr>
+                <a:t>aven archetype)</a:t>
+              </a:r>
+              <a:endParaRPr kumimoji="1" lang="ja-JP" altLang="en-US" sz="600" dirty="0">
                 <a:solidFill>
                   <a:schemeClr val="tx1"/>
                 </a:solidFill>
@@ -3979,7 +4017,51 @@
             <a:lstStyle/>
             <a:p>
               <a:r>
-                <a:rPr kumimoji="1" lang="en-US" altLang="ja-JP" dirty="0" smtClean="0">
+                <a:rPr kumimoji="1" lang="en-US" altLang="ja-JP" sz="600" dirty="0">
+                  <a:solidFill>
+                    <a:schemeClr val="tx1"/>
+                  </a:solidFill>
+                  <a:latin typeface="メイリオ" panose="020B0604030504040204" pitchFamily="50" charset="-128"/>
+                  <a:ea typeface="メイリオ" panose="020B0604030504040204" pitchFamily="50" charset="-128"/>
+                  <a:cs typeface="メイリオ" panose="020B0604030504040204" pitchFamily="50" charset="-128"/>
+                </a:rPr>
+                <a:t>Provided</a:t>
+              </a:r>
+              <a:r>
+                <a:rPr kumimoji="1" lang="ja-JP" altLang="en-US" sz="600" dirty="0">
+                  <a:solidFill>
+                    <a:schemeClr val="tx1"/>
+                  </a:solidFill>
+                  <a:latin typeface="メイリオ" panose="020B0604030504040204" pitchFamily="50" charset="-128"/>
+                  <a:ea typeface="メイリオ" panose="020B0604030504040204" pitchFamily="50" charset="-128"/>
+                  <a:cs typeface="メイリオ" panose="020B0604030504040204" pitchFamily="50" charset="-128"/>
+                </a:rPr>
+                <a:t> </a:t>
+              </a:r>
+              <a:r>
+                <a:rPr kumimoji="1" lang="en-US" altLang="ja-JP" sz="600" dirty="0">
+                  <a:solidFill>
+                    <a:schemeClr val="tx1"/>
+                  </a:solidFill>
+                  <a:latin typeface="メイリオ" panose="020B0604030504040204" pitchFamily="50" charset="-128"/>
+                  <a:ea typeface="メイリオ" panose="020B0604030504040204" pitchFamily="50" charset="-128"/>
+                  <a:cs typeface="メイリオ" panose="020B0604030504040204" pitchFamily="50" charset="-128"/>
+                </a:rPr>
+                <a:t>by</a:t>
+              </a:r>
+              <a:r>
+                <a:rPr kumimoji="1" lang="ja-JP" altLang="en-US" sz="600" dirty="0">
+                  <a:solidFill>
+                    <a:schemeClr val="tx1"/>
+                  </a:solidFill>
+                  <a:latin typeface="メイリオ" panose="020B0604030504040204" pitchFamily="50" charset="-128"/>
+                  <a:ea typeface="メイリオ" panose="020B0604030504040204" pitchFamily="50" charset="-128"/>
+                  <a:cs typeface="メイリオ" panose="020B0604030504040204" pitchFamily="50" charset="-128"/>
+                </a:rPr>
+                <a:t> </a:t>
+              </a:r>
+              <a:r>
+                <a:rPr kumimoji="1" lang="en-US" altLang="ja-JP" sz="600" dirty="0">
                   <a:solidFill>
                     <a:schemeClr val="tx1"/>
                   </a:solidFill>
@@ -3989,18 +4071,7 @@
                 </a:rPr>
                 <a:t>Nablarch</a:t>
               </a:r>
-              <a:r>
-                <a:rPr kumimoji="1" lang="ja-JP" altLang="en-US" dirty="0" smtClean="0">
-                  <a:solidFill>
-                    <a:schemeClr val="tx1"/>
-                  </a:solidFill>
-                  <a:latin typeface="メイリオ" panose="020B0604030504040204" pitchFamily="50" charset="-128"/>
-                  <a:ea typeface="メイリオ" panose="020B0604030504040204" pitchFamily="50" charset="-128"/>
-                  <a:cs typeface="メイリオ" panose="020B0604030504040204" pitchFamily="50" charset="-128"/>
-                </a:rPr>
-                <a:t>提供</a:t>
-              </a:r>
-              <a:endParaRPr kumimoji="1" lang="ja-JP" altLang="en-US" dirty="0">
+              <a:endParaRPr kumimoji="1" lang="ja-JP" altLang="en-US" sz="600" dirty="0">
                 <a:solidFill>
                   <a:schemeClr val="tx1"/>
                 </a:solidFill>
@@ -4055,7 +4126,7 @@
             <a:p>
               <a:pPr algn="ctr"/>
               <a:r>
-                <a:rPr kumimoji="1" lang="en-US" altLang="ja-JP" sz="700" dirty="0" smtClean="0">
+                <a:rPr kumimoji="1" lang="en-US" altLang="ja-JP" sz="700" dirty="0">
                   <a:solidFill>
                     <a:schemeClr val="tx1"/>
                   </a:solidFill>
@@ -4065,7 +4136,7 @@
                 </a:rPr>
                 <a:t>pj-web</a:t>
               </a:r>
-              <a:endParaRPr kumimoji="1" lang="ja-JP" altLang="en-US" sz="700" dirty="0" smtClean="0">
+              <a:endParaRPr kumimoji="1" lang="ja-JP" altLang="en-US" sz="700" dirty="0">
                 <a:solidFill>
                   <a:schemeClr val="tx1"/>
                 </a:solidFill>
@@ -4120,7 +4191,7 @@
             <a:p>
               <a:pPr algn="ctr"/>
               <a:r>
-                <a:rPr lang="en-US" altLang="ja-JP" sz="700" dirty="0" smtClean="0">
+                <a:rPr lang="en-US" altLang="ja-JP" sz="700" dirty="0">
                   <a:solidFill>
                     <a:schemeClr val="tx1"/>
                   </a:solidFill>
@@ -4130,7 +4201,7 @@
                 </a:rPr>
                 <a:t>pj-batch</a:t>
               </a:r>
-              <a:endParaRPr kumimoji="1" lang="ja-JP" altLang="en-US" sz="700" dirty="0" smtClean="0">
+              <a:endParaRPr kumimoji="1" lang="ja-JP" altLang="en-US" sz="700" dirty="0">
                 <a:solidFill>
                   <a:schemeClr val="tx1"/>
                 </a:solidFill>
@@ -4238,7 +4309,7 @@
                 <a:t>n</a:t>
               </a:r>
               <a:r>
-                <a:rPr kumimoji="1" lang="en-US" altLang="ja-JP" sz="700" dirty="0" smtClean="0">
+                <a:rPr kumimoji="1" lang="en-US" altLang="ja-JP" sz="700" dirty="0">
                   <a:solidFill>
                     <a:schemeClr val="tx1"/>
                   </a:solidFill>
@@ -4248,7 +4319,7 @@
                 </a:rPr>
                 <a:t>ablarch-profile</a:t>
               </a:r>
-              <a:endParaRPr kumimoji="1" lang="ja-JP" altLang="en-US" sz="700" dirty="0" smtClean="0">
+              <a:endParaRPr kumimoji="1" lang="ja-JP" altLang="en-US" sz="700" dirty="0">
                 <a:solidFill>
                   <a:schemeClr val="tx1"/>
                 </a:solidFill>
@@ -4348,17 +4419,6 @@
             <a:p>
               <a:pPr algn="ctr"/>
               <a:r>
-                <a:rPr lang="en-US" altLang="ja-JP" sz="700" dirty="0" err="1" smtClean="0">
-                  <a:solidFill>
-                    <a:schemeClr val="tx1"/>
-                  </a:solidFill>
-                  <a:latin typeface="メイリオ" panose="020B0604030504040204" pitchFamily="50" charset="-128"/>
-                  <a:ea typeface="メイリオ" panose="020B0604030504040204" pitchFamily="50" charset="-128"/>
-                  <a:cs typeface="メイリオ" panose="020B0604030504040204" pitchFamily="50" charset="-128"/>
-                </a:rPr>
-                <a:t>n</a:t>
-              </a:r>
-              <a:r>
                 <a:rPr lang="en-US" altLang="ja-JP" sz="700" dirty="0" err="1">
                   <a:solidFill>
                     <a:schemeClr val="tx1"/>
@@ -4367,9 +4427,9 @@
                   <a:ea typeface="メイリオ" panose="020B0604030504040204" pitchFamily="50" charset="-128"/>
                   <a:cs typeface="メイリオ" panose="020B0604030504040204" pitchFamily="50" charset="-128"/>
                 </a:rPr>
-                <a:t>ablarch-archetypeparent</a:t>
+                <a:t>nablarch-archetypeparent</a:t>
               </a:r>
-              <a:endParaRPr kumimoji="1" lang="ja-JP" altLang="en-US" sz="700" dirty="0" smtClean="0">
+              <a:endParaRPr kumimoji="1" lang="ja-JP" altLang="en-US" sz="700" dirty="0">
                 <a:solidFill>
                   <a:schemeClr val="tx1"/>
                 </a:solidFill>
@@ -4634,7 +4694,7 @@
             <a:p>
               <a:pPr algn="ctr"/>
               <a:r>
-                <a:rPr kumimoji="1" lang="en-US" altLang="ja-JP" sz="600" dirty="0" smtClean="0">
+                <a:rPr kumimoji="1" lang="en-US" altLang="ja-JP" sz="600" dirty="0">
                   <a:solidFill>
                     <a:schemeClr val="tx1"/>
                   </a:solidFill>
@@ -4648,7 +4708,7 @@
             <a:p>
               <a:pPr algn="ctr"/>
               <a:r>
-                <a:rPr kumimoji="1" lang="ja-JP" altLang="en-US" sz="600" dirty="0" smtClean="0">
+                <a:rPr lang="en-US" altLang="ja-JP" sz="600" dirty="0">
                   <a:solidFill>
                     <a:schemeClr val="tx1"/>
                   </a:solidFill>
@@ -4656,8 +4716,16 @@
                   <a:ea typeface="メイリオ" panose="020B0604030504040204" pitchFamily="50" charset="-128"/>
                   <a:cs typeface="メイリオ" panose="020B0604030504040204" pitchFamily="50" charset="-128"/>
                 </a:rPr>
-                <a:t>アプリ</a:t>
+                <a:t>app</a:t>
               </a:r>
+              <a:endParaRPr kumimoji="1" lang="ja-JP" altLang="en-US" sz="600" dirty="0">
+                <a:solidFill>
+                  <a:schemeClr val="tx1"/>
+                </a:solidFill>
+                <a:latin typeface="メイリオ" panose="020B0604030504040204" pitchFamily="50" charset="-128"/>
+                <a:ea typeface="メイリオ" panose="020B0604030504040204" pitchFamily="50" charset="-128"/>
+                <a:cs typeface="メイリオ" panose="020B0604030504040204" pitchFamily="50" charset="-128"/>
+              </a:endParaRPr>
             </a:p>
           </p:txBody>
         </p:sp>
@@ -4715,7 +4783,7 @@
             <a:p>
               <a:pPr algn="ctr"/>
               <a:r>
-                <a:rPr kumimoji="1" lang="ja-JP" altLang="en-US" sz="600" dirty="0" smtClean="0">
+                <a:rPr lang="en-US" altLang="ja-JP" sz="600" dirty="0">
                   <a:solidFill>
                     <a:schemeClr val="tx1"/>
                   </a:solidFill>
@@ -4723,21 +4791,13 @@
                   <a:ea typeface="メイリオ" panose="020B0604030504040204" pitchFamily="50" charset="-128"/>
                   <a:cs typeface="メイリオ" panose="020B0604030504040204" pitchFamily="50" charset="-128"/>
                 </a:rPr>
-                <a:t>バッチ</a:t>
+                <a:t>Batch</a:t>
               </a:r>
-              <a:endParaRPr kumimoji="1" lang="en-US" altLang="ja-JP" sz="600" dirty="0" smtClean="0">
-                <a:solidFill>
-                  <a:schemeClr val="tx1"/>
-                </a:solidFill>
-                <a:latin typeface="メイリオ" panose="020B0604030504040204" pitchFamily="50" charset="-128"/>
-                <a:ea typeface="メイリオ" panose="020B0604030504040204" pitchFamily="50" charset="-128"/>
-                <a:cs typeface="メイリオ" panose="020B0604030504040204" pitchFamily="50" charset="-128"/>
-              </a:endParaRPr>
             </a:p>
             <a:p>
               <a:pPr algn="ctr"/>
               <a:r>
-                <a:rPr kumimoji="1" lang="ja-JP" altLang="en-US" sz="600" dirty="0" smtClean="0">
+                <a:rPr kumimoji="1" lang="en-US" altLang="ja-JP" sz="600" dirty="0">
                   <a:solidFill>
                     <a:schemeClr val="tx1"/>
                   </a:solidFill>
@@ -4745,7 +4805,7 @@
                   <a:ea typeface="メイリオ" panose="020B0604030504040204" pitchFamily="50" charset="-128"/>
                   <a:cs typeface="メイリオ" panose="020B0604030504040204" pitchFamily="50" charset="-128"/>
                 </a:rPr>
-                <a:t>アプリ</a:t>
+                <a:t>app</a:t>
               </a:r>
             </a:p>
           </p:txBody>
@@ -4800,7 +4860,7 @@
             <a:p>
               <a:pPr algn="ctr"/>
               <a:r>
-                <a:rPr kumimoji="1" lang="en-US" altLang="ja-JP" dirty="0" smtClean="0">
+                <a:rPr kumimoji="1" lang="en-US" altLang="ja-JP" dirty="0">
                   <a:solidFill>
                     <a:schemeClr val="tx1"/>
                   </a:solidFill>
@@ -4810,7 +4870,7 @@
                 </a:rPr>
                 <a:t>DB</a:t>
               </a:r>
-              <a:endParaRPr kumimoji="1" lang="ja-JP" altLang="en-US" dirty="0" smtClean="0">
+              <a:endParaRPr kumimoji="1" lang="ja-JP" altLang="en-US" dirty="0">
                 <a:solidFill>
                   <a:schemeClr val="tx1"/>
                 </a:solidFill>
@@ -4904,7 +4964,7 @@
             <a:p>
               <a:pPr algn="ctr"/>
               <a:r>
-                <a:rPr lang="en-US" altLang="ja-JP" sz="700" dirty="0" smtClean="0">
+                <a:rPr lang="en-US" altLang="ja-JP" sz="700" dirty="0">
                   <a:solidFill>
                     <a:schemeClr val="tx1"/>
                   </a:solidFill>
@@ -4914,7 +4974,7 @@
                 </a:rPr>
                 <a:t>tools</a:t>
               </a:r>
-              <a:endParaRPr kumimoji="1" lang="ja-JP" altLang="en-US" sz="700" dirty="0" smtClean="0">
+              <a:endParaRPr kumimoji="1" lang="ja-JP" altLang="en-US" sz="700" dirty="0">
                 <a:solidFill>
                   <a:schemeClr val="tx1"/>
                 </a:solidFill>
@@ -4969,7 +5029,7 @@
           <p:spPr>
             <a:xfrm>
               <a:off x="2850492" y="1375928"/>
-              <a:ext cx="617219" cy="242872"/>
+              <a:ext cx="803660" cy="242872"/>
             </a:xfrm>
             <a:prstGeom prst="snip1Rect">
               <a:avLst/>
@@ -5014,7 +5074,73 @@
             <a:p>
               <a:pPr algn="ctr"/>
               <a:r>
-                <a:rPr kumimoji="1" lang="en-US" altLang="ja-JP" sz="600" dirty="0" smtClean="0">
+                <a:rPr kumimoji="1" lang="en-US" altLang="ja-JP" sz="600" dirty="0">
+                  <a:solidFill>
+                    <a:schemeClr val="tx1"/>
+                  </a:solidFill>
+                  <a:latin typeface="メイリオ" panose="020B0604030504040204" pitchFamily="50" charset="-128"/>
+                  <a:ea typeface="メイリオ" panose="020B0604030504040204" pitchFamily="50" charset="-128"/>
+                  <a:cs typeface="メイリオ" panose="020B0604030504040204" pitchFamily="50" charset="-128"/>
+                </a:rPr>
+                <a:t>Aggregate</a:t>
+              </a:r>
+              <a:r>
+                <a:rPr kumimoji="1" lang="ja-JP" altLang="en-US" sz="600" dirty="0">
+                  <a:solidFill>
+                    <a:schemeClr val="tx1"/>
+                  </a:solidFill>
+                  <a:latin typeface="メイリオ" panose="020B0604030504040204" pitchFamily="50" charset="-128"/>
+                  <a:ea typeface="メイリオ" panose="020B0604030504040204" pitchFamily="50" charset="-128"/>
+                  <a:cs typeface="メイリオ" panose="020B0604030504040204" pitchFamily="50" charset="-128"/>
+                </a:rPr>
+                <a:t> </a:t>
+              </a:r>
+              <a:r>
+                <a:rPr kumimoji="1" lang="en-US" altLang="ja-JP" sz="600" dirty="0">
+                  <a:solidFill>
+                    <a:schemeClr val="tx1"/>
+                  </a:solidFill>
+                  <a:latin typeface="メイリオ" panose="020B0604030504040204" pitchFamily="50" charset="-128"/>
+                  <a:ea typeface="メイリオ" panose="020B0604030504040204" pitchFamily="50" charset="-128"/>
+                  <a:cs typeface="メイリオ" panose="020B0604030504040204" pitchFamily="50" charset="-128"/>
+                </a:rPr>
+                <a:t>jars</a:t>
+              </a:r>
+              <a:r>
+                <a:rPr kumimoji="1" lang="ja-JP" altLang="en-US" sz="600" dirty="0">
+                  <a:solidFill>
+                    <a:schemeClr val="tx1"/>
+                  </a:solidFill>
+                  <a:latin typeface="メイリオ" panose="020B0604030504040204" pitchFamily="50" charset="-128"/>
+                  <a:ea typeface="メイリオ" panose="020B0604030504040204" pitchFamily="50" charset="-128"/>
+                  <a:cs typeface="メイリオ" panose="020B0604030504040204" pitchFamily="50" charset="-128"/>
+                </a:rPr>
+                <a:t> </a:t>
+              </a:r>
+              <a:r>
+                <a:rPr kumimoji="1" lang="en-US" altLang="ja-JP" sz="600" dirty="0">
+                  <a:solidFill>
+                    <a:schemeClr val="tx1"/>
+                  </a:solidFill>
+                  <a:latin typeface="メイリオ" panose="020B0604030504040204" pitchFamily="50" charset="-128"/>
+                  <a:ea typeface="メイリオ" panose="020B0604030504040204" pitchFamily="50" charset="-128"/>
+                  <a:cs typeface="メイリオ" panose="020B0604030504040204" pitchFamily="50" charset="-128"/>
+                </a:rPr>
+                <a:t>of</a:t>
+              </a:r>
+              <a:r>
+                <a:rPr kumimoji="1" lang="ja-JP" altLang="en-US" sz="600" dirty="0">
+                  <a:solidFill>
+                    <a:schemeClr val="tx1"/>
+                  </a:solidFill>
+                  <a:latin typeface="メイリオ" panose="020B0604030504040204" pitchFamily="50" charset="-128"/>
+                  <a:ea typeface="メイリオ" panose="020B0604030504040204" pitchFamily="50" charset="-128"/>
+                  <a:cs typeface="メイリオ" panose="020B0604030504040204" pitchFamily="50" charset="-128"/>
+                </a:rPr>
+                <a:t> </a:t>
+              </a:r>
+              <a:r>
+                <a:rPr kumimoji="1" lang="en-US" altLang="ja-JP" sz="600" dirty="0">
                   <a:solidFill>
                     <a:schemeClr val="tx1"/>
                   </a:solidFill>
@@ -5024,39 +5150,14 @@
                 </a:rPr>
                 <a:t>Nablarch</a:t>
               </a:r>
-              <a:r>
-                <a:rPr kumimoji="1" lang="ja-JP" altLang="en-US" sz="600" dirty="0" smtClean="0">
-                  <a:solidFill>
-                    <a:schemeClr val="tx1"/>
-                  </a:solidFill>
-                  <a:latin typeface="メイリオ" panose="020B0604030504040204" pitchFamily="50" charset="-128"/>
-                  <a:ea typeface="メイリオ" panose="020B0604030504040204" pitchFamily="50" charset="-128"/>
-                  <a:cs typeface="メイリオ" panose="020B0604030504040204" pitchFamily="50" charset="-128"/>
-                </a:rPr>
-                <a:t>の</a:t>
-              </a:r>
-              <a:r>
-                <a:rPr kumimoji="1" lang="en-US" altLang="ja-JP" sz="600" dirty="0" smtClean="0">
-                  <a:solidFill>
-                    <a:schemeClr val="tx1"/>
-                  </a:solidFill>
-                  <a:latin typeface="メイリオ" panose="020B0604030504040204" pitchFamily="50" charset="-128"/>
-                  <a:ea typeface="メイリオ" panose="020B0604030504040204" pitchFamily="50" charset="-128"/>
-                  <a:cs typeface="メイリオ" panose="020B0604030504040204" pitchFamily="50" charset="-128"/>
-                </a:rPr>
-                <a:t>jar</a:t>
-              </a:r>
-              <a:r>
-                <a:rPr kumimoji="1" lang="ja-JP" altLang="en-US" sz="600" dirty="0" smtClean="0">
-                  <a:solidFill>
-                    <a:schemeClr val="tx1"/>
-                  </a:solidFill>
-                  <a:latin typeface="メイリオ" panose="020B0604030504040204" pitchFamily="50" charset="-128"/>
-                  <a:ea typeface="メイリオ" panose="020B0604030504040204" pitchFamily="50" charset="-128"/>
-                  <a:cs typeface="メイリオ" panose="020B0604030504040204" pitchFamily="50" charset="-128"/>
-                </a:rPr>
-                <a:t>を集約</a:t>
-              </a:r>
+              <a:endParaRPr kumimoji="1" lang="ja-JP" altLang="en-US" sz="600" dirty="0">
+                <a:solidFill>
+                  <a:schemeClr val="tx1"/>
+                </a:solidFill>
+                <a:latin typeface="メイリオ" panose="020B0604030504040204" pitchFamily="50" charset="-128"/>
+                <a:ea typeface="メイリオ" panose="020B0604030504040204" pitchFamily="50" charset="-128"/>
+                <a:cs typeface="メイリオ" panose="020B0604030504040204" pitchFamily="50" charset="-128"/>
+              </a:endParaRPr>
             </a:p>
           </p:txBody>
         </p:sp>
@@ -5064,6 +5165,7 @@
           <p:nvCxnSpPr>
             <p:cNvPr id="351" name="直線コネクタ 350" title="maven_archetype"/>
             <p:cNvCxnSpPr>
+              <a:cxnSpLocks/>
               <a:stCxn id="1054" idx="2"/>
               <a:endCxn id="346" idx="3"/>
             </p:cNvCxnSpPr>
@@ -5072,7 +5174,7 @@
           <p:spPr>
             <a:xfrm>
               <a:off x="3050552" y="1269560"/>
-              <a:ext cx="108550" cy="106368"/>
+              <a:ext cx="201770" cy="106368"/>
             </a:xfrm>
             <a:prstGeom prst="line">
               <a:avLst/>
@@ -5104,8 +5206,8 @@
           </p:nvSpPr>
           <p:spPr>
             <a:xfrm>
-              <a:off x="3402574" y="468787"/>
-              <a:ext cx="617219" cy="242872"/>
+              <a:off x="3402574" y="468786"/>
+              <a:ext cx="755634" cy="324467"/>
             </a:xfrm>
             <a:prstGeom prst="snip1Rect">
               <a:avLst/>
@@ -5150,7 +5252,7 @@
             <a:p>
               <a:pPr algn="ctr"/>
               <a:r>
-                <a:rPr kumimoji="1" lang="en-US" altLang="ja-JP" sz="600" dirty="0" smtClean="0">
+                <a:rPr kumimoji="1" lang="en-US" altLang="ja-JP" sz="600" dirty="0">
                   <a:solidFill>
                     <a:schemeClr val="tx1"/>
                   </a:solidFill>
@@ -5164,7 +5266,7 @@
             <a:p>
               <a:pPr algn="ctr"/>
               <a:r>
-                <a:rPr lang="ja-JP" altLang="en-US" sz="600" dirty="0">
+                <a:rPr lang="en-US" altLang="ja-JP" sz="600" dirty="0">
                   <a:solidFill>
                     <a:schemeClr val="tx1"/>
                   </a:solidFill>
@@ -5172,9 +5274,34 @@
                   <a:ea typeface="メイリオ" panose="020B0604030504040204" pitchFamily="50" charset="-128"/>
                   <a:cs typeface="メイリオ" panose="020B0604030504040204" pitchFamily="50" charset="-128"/>
                 </a:rPr>
-                <a:t>共通設定</a:t>
+                <a:t>c</a:t>
               </a:r>
-              <a:endParaRPr kumimoji="1" lang="ja-JP" altLang="en-US" sz="600" dirty="0" smtClean="0">
+              <a:r>
+                <a:rPr kumimoji="1" lang="en-US" altLang="ja-JP" sz="600" dirty="0">
+                  <a:solidFill>
+                    <a:schemeClr val="tx1"/>
+                  </a:solidFill>
+                  <a:latin typeface="メイリオ" panose="020B0604030504040204" pitchFamily="50" charset="-128"/>
+                  <a:ea typeface="メイリオ" panose="020B0604030504040204" pitchFamily="50" charset="-128"/>
+                  <a:cs typeface="メイリオ" panose="020B0604030504040204" pitchFamily="50" charset="-128"/>
+                </a:rPr>
+                <a:t>ommon</a:t>
+              </a:r>
+            </a:p>
+            <a:p>
+              <a:pPr algn="ctr"/>
+              <a:r>
+                <a:rPr lang="en-US" altLang="ja-JP" sz="600" dirty="0">
+                  <a:solidFill>
+                    <a:schemeClr val="tx1"/>
+                  </a:solidFill>
+                  <a:latin typeface="メイリオ" panose="020B0604030504040204" pitchFamily="50" charset="-128"/>
+                  <a:ea typeface="メイリオ" panose="020B0604030504040204" pitchFamily="50" charset="-128"/>
+                  <a:cs typeface="メイリオ" panose="020B0604030504040204" pitchFamily="50" charset="-128"/>
+                </a:rPr>
+                <a:t>configuration</a:t>
+              </a:r>
+              <a:endParaRPr kumimoji="1" lang="ja-JP" altLang="en-US" sz="600" dirty="0">
                 <a:solidFill>
                   <a:schemeClr val="tx1"/>
                 </a:solidFill>
@@ -5189,6 +5316,7 @@
           <p:nvCxnSpPr>
             <p:cNvPr id="355" name="直線コネクタ 354" title="maven_archetype"/>
             <p:cNvCxnSpPr>
+              <a:cxnSpLocks/>
               <a:stCxn id="98" idx="3"/>
               <a:endCxn id="354" idx="2"/>
             </p:cNvCxnSpPr>
@@ -5196,8 +5324,8 @@
           </p:nvCxnSpPr>
           <p:spPr>
             <a:xfrm flipV="1">
-              <a:off x="3356586" y="590223"/>
-              <a:ext cx="45988" cy="77595"/>
+              <a:off x="3356586" y="631020"/>
+              <a:ext cx="45988" cy="36798"/>
             </a:xfrm>
             <a:prstGeom prst="line">
               <a:avLst/>
@@ -5265,7 +5393,7 @@
           <p:spPr>
             <a:xfrm>
               <a:off x="3130979" y="1662632"/>
-              <a:ext cx="658056" cy="713896"/>
+              <a:ext cx="955222" cy="713896"/>
             </a:xfrm>
             <a:prstGeom prst="rect">
               <a:avLst/>
@@ -5300,7 +5428,7 @@
             <a:lstStyle/>
             <a:p>
               <a:r>
-                <a:rPr lang="en-US" altLang="ja-JP" sz="600" dirty="0" smtClean="0">
+                <a:rPr lang="en-US" altLang="ja-JP" sz="600" dirty="0">
                   <a:solidFill>
                     <a:schemeClr val="tx1"/>
                   </a:solidFill>
@@ -5308,31 +5436,9 @@
                   <a:ea typeface="メイリオ" panose="020B0604030504040204" pitchFamily="50" charset="-128"/>
                   <a:cs typeface="メイリオ" panose="020B0604030504040204" pitchFamily="50" charset="-128"/>
                 </a:rPr>
-                <a:t>【</a:t>
+                <a:t>【Legend】</a:t>
               </a:r>
-              <a:r>
-                <a:rPr lang="ja-JP" altLang="en-US" sz="600" dirty="0" smtClean="0">
-                  <a:solidFill>
-                    <a:schemeClr val="tx1"/>
-                  </a:solidFill>
-                  <a:latin typeface="メイリオ" panose="020B0604030504040204" pitchFamily="50" charset="-128"/>
-                  <a:ea typeface="メイリオ" panose="020B0604030504040204" pitchFamily="50" charset="-128"/>
-                  <a:cs typeface="メイリオ" panose="020B0604030504040204" pitchFamily="50" charset="-128"/>
-                </a:rPr>
-                <a:t>凡例</a:t>
-              </a:r>
-              <a:r>
-                <a:rPr lang="en-US" altLang="ja-JP" sz="600" dirty="0" smtClean="0">
-                  <a:solidFill>
-                    <a:schemeClr val="tx1"/>
-                  </a:solidFill>
-                  <a:latin typeface="メイリオ" panose="020B0604030504040204" pitchFamily="50" charset="-128"/>
-                  <a:ea typeface="メイリオ" panose="020B0604030504040204" pitchFamily="50" charset="-128"/>
-                  <a:cs typeface="メイリオ" panose="020B0604030504040204" pitchFamily="50" charset="-128"/>
-                </a:rPr>
-                <a:t>】</a:t>
-              </a:r>
-              <a:endParaRPr kumimoji="1" lang="ja-JP" altLang="en-US" sz="600" dirty="0" smtClean="0">
+              <a:endParaRPr kumimoji="1" lang="ja-JP" altLang="en-US" sz="600" dirty="0">
                 <a:solidFill>
                   <a:schemeClr val="tx1"/>
                 </a:solidFill>
@@ -5388,7 +5494,7 @@
           <p:spPr>
             <a:xfrm>
               <a:off x="3466533" y="1807662"/>
-              <a:ext cx="226591" cy="165036"/>
+              <a:ext cx="500705" cy="165036"/>
             </a:xfrm>
             <a:prstGeom prst="rect">
               <a:avLst/>
@@ -5402,12 +5508,12 @@
             <a:lstStyle/>
             <a:p>
               <a:r>
-                <a:rPr kumimoji="1" lang="ja-JP" altLang="en-US" sz="600" dirty="0" smtClean="0">
+                <a:rPr kumimoji="1" lang="en-US" altLang="ja-JP" sz="600" dirty="0">
                   <a:latin typeface="メイリオ" panose="020B0604030504040204" pitchFamily="50" charset="-128"/>
                   <a:ea typeface="メイリオ" panose="020B0604030504040204" pitchFamily="50" charset="-128"/>
                   <a:cs typeface="メイリオ" panose="020B0604030504040204" pitchFamily="50" charset="-128"/>
                 </a:rPr>
-                <a:t>継承</a:t>
+                <a:t>Inheritance</a:t>
               </a:r>
               <a:endParaRPr kumimoji="1" lang="ja-JP" altLang="en-US" sz="600" dirty="0">
                 <a:latin typeface="メイリオ" panose="020B0604030504040204" pitchFamily="50" charset="-128"/>
@@ -5463,7 +5569,7 @@
           <p:spPr>
             <a:xfrm>
               <a:off x="3466533" y="1977167"/>
-              <a:ext cx="226591" cy="165036"/>
+              <a:ext cx="537574" cy="165036"/>
             </a:xfrm>
             <a:prstGeom prst="rect">
               <a:avLst/>
@@ -5477,12 +5583,12 @@
             <a:lstStyle/>
             <a:p>
               <a:r>
-                <a:rPr kumimoji="1" lang="ja-JP" altLang="en-US" sz="600" dirty="0" smtClean="0">
+                <a:rPr kumimoji="1" lang="en-US" altLang="ja-JP" sz="600" dirty="0">
                   <a:latin typeface="メイリオ" panose="020B0604030504040204" pitchFamily="50" charset="-128"/>
                   <a:ea typeface="メイリオ" panose="020B0604030504040204" pitchFamily="50" charset="-128"/>
                   <a:cs typeface="メイリオ" panose="020B0604030504040204" pitchFamily="50" charset="-128"/>
                 </a:rPr>
-                <a:t>依存</a:t>
+                <a:t>Dependence</a:t>
               </a:r>
               <a:endParaRPr kumimoji="1" lang="ja-JP" altLang="en-US" sz="600" dirty="0">
                 <a:latin typeface="メイリオ" panose="020B0604030504040204" pitchFamily="50" charset="-128"/>
@@ -5538,7 +5644,7 @@
           <p:spPr>
             <a:xfrm>
               <a:off x="3468209" y="2141849"/>
-              <a:ext cx="226591" cy="165036"/>
+              <a:ext cx="377274" cy="165036"/>
             </a:xfrm>
             <a:prstGeom prst="rect">
               <a:avLst/>
@@ -5552,12 +5658,12 @@
             <a:lstStyle/>
             <a:p>
               <a:r>
-                <a:rPr lang="ja-JP" altLang="en-US" sz="600" dirty="0">
+                <a:rPr lang="en-US" altLang="ja-JP" sz="600" dirty="0">
                   <a:latin typeface="メイリオ" panose="020B0604030504040204" pitchFamily="50" charset="-128"/>
                   <a:ea typeface="メイリオ" panose="020B0604030504040204" pitchFamily="50" charset="-128"/>
                   <a:cs typeface="メイリオ" panose="020B0604030504040204" pitchFamily="50" charset="-128"/>
                 </a:rPr>
-                <a:t>関連</a:t>
+                <a:t>Relation</a:t>
               </a:r>
               <a:endParaRPr kumimoji="1" lang="ja-JP" altLang="en-US" sz="600" dirty="0">
                 <a:latin typeface="メイリオ" panose="020B0604030504040204" pitchFamily="50" charset="-128"/>
@@ -5611,7 +5717,7 @@
             <a:p>
               <a:pPr algn="ctr"/>
               <a:r>
-                <a:rPr lang="en-US" altLang="ja-JP" sz="700" dirty="0" smtClean="0">
+                <a:rPr lang="en-US" altLang="ja-JP" sz="700" dirty="0">
                   <a:solidFill>
                     <a:schemeClr val="tx1"/>
                   </a:solidFill>
@@ -5621,7 +5727,7 @@
                 </a:rPr>
                 <a:t>tools</a:t>
               </a:r>
-              <a:endParaRPr kumimoji="1" lang="ja-JP" altLang="en-US" sz="700" dirty="0" smtClean="0">
+              <a:endParaRPr kumimoji="1" lang="ja-JP" altLang="en-US" sz="700" dirty="0">
                 <a:solidFill>
                   <a:schemeClr val="tx1"/>
                 </a:solidFill>
@@ -5716,7 +5822,7 @@
             <a:p>
               <a:pPr algn="ctr"/>
               <a:r>
-                <a:rPr lang="en-US" altLang="ja-JP" sz="700" dirty="0" smtClean="0">
+                <a:rPr lang="en-US" altLang="ja-JP" sz="700" dirty="0">
                   <a:solidFill>
                     <a:schemeClr val="tx1"/>
                   </a:solidFill>
@@ -5726,7 +5832,7 @@
                 </a:rPr>
                 <a:t>entity</a:t>
               </a:r>
-              <a:endParaRPr kumimoji="1" lang="ja-JP" altLang="en-US" sz="700" dirty="0" smtClean="0">
+              <a:endParaRPr kumimoji="1" lang="ja-JP" altLang="en-US" sz="700" dirty="0">
                 <a:solidFill>
                   <a:schemeClr val="tx1"/>
                 </a:solidFill>
@@ -5781,7 +5887,7 @@
             <a:p>
               <a:pPr algn="ctr"/>
               <a:r>
-                <a:rPr lang="en-US" altLang="ja-JP" sz="700" dirty="0" smtClean="0">
+                <a:rPr lang="en-US" altLang="ja-JP" sz="700" dirty="0">
                   <a:solidFill>
                     <a:schemeClr val="tx1"/>
                   </a:solidFill>
@@ -5791,7 +5897,7 @@
                 </a:rPr>
                 <a:t>entity</a:t>
               </a:r>
-              <a:endParaRPr kumimoji="1" lang="ja-JP" altLang="en-US" sz="700" dirty="0" smtClean="0">
+              <a:endParaRPr kumimoji="1" lang="ja-JP" altLang="en-US" sz="700" dirty="0">
                 <a:solidFill>
                   <a:schemeClr val="tx1"/>
                 </a:solidFill>
@@ -5856,7 +5962,7 @@
             <a:p>
               <a:pPr algn="ctr"/>
               <a:r>
-                <a:rPr lang="ja-JP" altLang="en-US" sz="600" dirty="0" smtClean="0">
+                <a:rPr kumimoji="1" lang="en-US" altLang="ja-JP" sz="600" dirty="0">
                   <a:solidFill>
                     <a:schemeClr val="tx1"/>
                   </a:solidFill>
@@ -5864,9 +5970,31 @@
                   <a:ea typeface="メイリオ" panose="020B0604030504040204" pitchFamily="50" charset="-128"/>
                   <a:cs typeface="メイリオ" panose="020B0604030504040204" pitchFamily="50" charset="-128"/>
                 </a:rPr>
-                <a:t>各種ツール</a:t>
+                <a:t>Various</a:t>
               </a:r>
-              <a:endParaRPr kumimoji="1" lang="ja-JP" altLang="en-US" sz="600" dirty="0" smtClean="0">
+              <a:r>
+                <a:rPr kumimoji="1" lang="ja-JP" altLang="en-US" sz="600" dirty="0">
+                  <a:solidFill>
+                    <a:schemeClr val="tx1"/>
+                  </a:solidFill>
+                  <a:latin typeface="メイリオ" panose="020B0604030504040204" pitchFamily="50" charset="-128"/>
+                  <a:ea typeface="メイリオ" panose="020B0604030504040204" pitchFamily="50" charset="-128"/>
+                  <a:cs typeface="メイリオ" panose="020B0604030504040204" pitchFamily="50" charset="-128"/>
+                </a:rPr>
+                <a:t> </a:t>
+              </a:r>
+              <a:r>
+                <a:rPr kumimoji="1" lang="en-US" altLang="ja-JP" sz="600" dirty="0">
+                  <a:solidFill>
+                    <a:schemeClr val="tx1"/>
+                  </a:solidFill>
+                  <a:latin typeface="メイリオ" panose="020B0604030504040204" pitchFamily="50" charset="-128"/>
+                  <a:ea typeface="メイリオ" panose="020B0604030504040204" pitchFamily="50" charset="-128"/>
+                  <a:cs typeface="メイリオ" panose="020B0604030504040204" pitchFamily="50" charset="-128"/>
+                </a:rPr>
+                <a:t>tools</a:t>
+              </a:r>
+              <a:endParaRPr kumimoji="1" lang="ja-JP" altLang="en-US" sz="600" dirty="0">
                 <a:solidFill>
                   <a:schemeClr val="tx1"/>
                 </a:solidFill>
@@ -5954,7 +6082,7 @@
           <p:spPr>
             <a:xfrm>
               <a:off x="1986498" y="1944523"/>
-              <a:ext cx="716793" cy="255786"/>
+              <a:ext cx="863994" cy="255786"/>
             </a:xfrm>
             <a:prstGeom prst="snip1Rect">
               <a:avLst/>
@@ -5999,7 +6127,7 @@
             <a:p>
               <a:pPr algn="ctr"/>
               <a:r>
-                <a:rPr kumimoji="1" lang="ja-JP" altLang="en-US" sz="600" dirty="0" smtClean="0">
+                <a:rPr kumimoji="1" lang="en-US" altLang="ja-JP" sz="600" dirty="0">
                   <a:solidFill>
                     <a:schemeClr val="tx1"/>
                   </a:solidFill>
@@ -6007,9 +6135,53 @@
                   <a:ea typeface="メイリオ" panose="020B0604030504040204" pitchFamily="50" charset="-128"/>
                   <a:cs typeface="メイリオ" panose="020B0604030504040204" pitchFamily="50" charset="-128"/>
                 </a:rPr>
-                <a:t>自動生成</a:t>
+                <a:t>Automatically</a:t>
               </a:r>
-              <a:endParaRPr kumimoji="1" lang="en-US" altLang="ja-JP" sz="600" dirty="0" smtClean="0">
+              <a:r>
+                <a:rPr kumimoji="1" lang="ja-JP" altLang="en-US" sz="600" dirty="0">
+                  <a:solidFill>
+                    <a:schemeClr val="tx1"/>
+                  </a:solidFill>
+                  <a:latin typeface="メイリオ" panose="020B0604030504040204" pitchFamily="50" charset="-128"/>
+                  <a:ea typeface="メイリオ" panose="020B0604030504040204" pitchFamily="50" charset="-128"/>
+                  <a:cs typeface="メイリオ" panose="020B0604030504040204" pitchFamily="50" charset="-128"/>
+                </a:rPr>
+                <a:t> </a:t>
+              </a:r>
+              <a:r>
+                <a:rPr kumimoji="1" lang="en-US" altLang="ja-JP" sz="600" dirty="0">
+                  <a:solidFill>
+                    <a:schemeClr val="tx1"/>
+                  </a:solidFill>
+                  <a:latin typeface="メイリオ" panose="020B0604030504040204" pitchFamily="50" charset="-128"/>
+                  <a:ea typeface="メイリオ" panose="020B0604030504040204" pitchFamily="50" charset="-128"/>
+                  <a:cs typeface="メイリオ" panose="020B0604030504040204" pitchFamily="50" charset="-128"/>
+                </a:rPr>
+                <a:t>generated</a:t>
+              </a:r>
+              <a:r>
+                <a:rPr kumimoji="1" lang="ja-JP" altLang="en-US" sz="600" dirty="0">
+                  <a:solidFill>
+                    <a:schemeClr val="tx1"/>
+                  </a:solidFill>
+                  <a:latin typeface="メイリオ" panose="020B0604030504040204" pitchFamily="50" charset="-128"/>
+                  <a:ea typeface="メイリオ" panose="020B0604030504040204" pitchFamily="50" charset="-128"/>
+                  <a:cs typeface="メイリオ" panose="020B0604030504040204" pitchFamily="50" charset="-128"/>
+                </a:rPr>
+                <a:t> </a:t>
+              </a:r>
+              <a:r>
+                <a:rPr kumimoji="1" lang="en-US" altLang="ja-JP" sz="600" dirty="0">
+                  <a:solidFill>
+                    <a:schemeClr val="tx1"/>
+                  </a:solidFill>
+                  <a:latin typeface="メイリオ" panose="020B0604030504040204" pitchFamily="50" charset="-128"/>
+                  <a:ea typeface="メイリオ" panose="020B0604030504040204" pitchFamily="50" charset="-128"/>
+                  <a:cs typeface="メイリオ" panose="020B0604030504040204" pitchFamily="50" charset="-128"/>
+                </a:rPr>
+                <a:t>entity</a:t>
+              </a:r>
+              <a:endParaRPr kumimoji="1" lang="ja-JP" altLang="en-US" sz="600" dirty="0">
                 <a:solidFill>
                   <a:schemeClr val="tx1"/>
                 </a:solidFill>
@@ -6017,20 +6189,6 @@
                 <a:ea typeface="メイリオ" panose="020B0604030504040204" pitchFamily="50" charset="-128"/>
                 <a:cs typeface="メイリオ" panose="020B0604030504040204" pitchFamily="50" charset="-128"/>
               </a:endParaRPr>
-            </a:p>
-            <a:p>
-              <a:pPr algn="ctr"/>
-              <a:r>
-                <a:rPr kumimoji="1" lang="ja-JP" altLang="en-US" sz="600" dirty="0" smtClean="0">
-                  <a:solidFill>
-                    <a:schemeClr val="tx1"/>
-                  </a:solidFill>
-                  <a:latin typeface="メイリオ" panose="020B0604030504040204" pitchFamily="50" charset="-128"/>
-                  <a:ea typeface="メイリオ" panose="020B0604030504040204" pitchFamily="50" charset="-128"/>
-                  <a:cs typeface="メイリオ" panose="020B0604030504040204" pitchFamily="50" charset="-128"/>
-                </a:rPr>
-                <a:t>エンティティ</a:t>
-              </a:r>
             </a:p>
           </p:txBody>
         </p:sp>
